--- a/pics/2019-07-07-CTFT/pics.pptx
+++ b/pics/2019-07-07-CTFT/pics.pptx
@@ -288,7 +288,7 @@
           <a:p>
             <a:fld id="{FB30EDBD-1C2D-4C1E-B459-B60219FAB484}" type="datetimeFigureOut">
               <a:rPr lang="ko-KR" altLang="en-US" smtClean="0"/>
-              <a:t>2022-01-18</a:t>
+              <a:t>2022-01-20</a:t>
             </a:fld>
             <a:endParaRPr lang="ko-KR" altLang="en-US"/>
           </a:p>
@@ -453,7 +453,7 @@
           <a:p>
             <a:fld id="{FB30EDBD-1C2D-4C1E-B459-B60219FAB484}" type="datetimeFigureOut">
               <a:rPr lang="ko-KR" altLang="en-US" smtClean="0"/>
-              <a:t>2022-01-18</a:t>
+              <a:t>2022-01-20</a:t>
             </a:fld>
             <a:endParaRPr lang="ko-KR" altLang="en-US"/>
           </a:p>
@@ -628,7 +628,7 @@
           <a:p>
             <a:fld id="{FB30EDBD-1C2D-4C1E-B459-B60219FAB484}" type="datetimeFigureOut">
               <a:rPr lang="ko-KR" altLang="en-US" smtClean="0"/>
-              <a:t>2022-01-18</a:t>
+              <a:t>2022-01-20</a:t>
             </a:fld>
             <a:endParaRPr lang="ko-KR" altLang="en-US"/>
           </a:p>
@@ -793,7 +793,7 @@
           <a:p>
             <a:fld id="{FB30EDBD-1C2D-4C1E-B459-B60219FAB484}" type="datetimeFigureOut">
               <a:rPr lang="ko-KR" altLang="en-US" smtClean="0"/>
-              <a:t>2022-01-18</a:t>
+              <a:t>2022-01-20</a:t>
             </a:fld>
             <a:endParaRPr lang="ko-KR" altLang="en-US"/>
           </a:p>
@@ -1034,7 +1034,7 @@
           <a:p>
             <a:fld id="{FB30EDBD-1C2D-4C1E-B459-B60219FAB484}" type="datetimeFigureOut">
               <a:rPr lang="ko-KR" altLang="en-US" smtClean="0"/>
-              <a:t>2022-01-18</a:t>
+              <a:t>2022-01-20</a:t>
             </a:fld>
             <a:endParaRPr lang="ko-KR" altLang="en-US"/>
           </a:p>
@@ -1317,7 +1317,7 @@
           <a:p>
             <a:fld id="{FB30EDBD-1C2D-4C1E-B459-B60219FAB484}" type="datetimeFigureOut">
               <a:rPr lang="ko-KR" altLang="en-US" smtClean="0"/>
-              <a:t>2022-01-18</a:t>
+              <a:t>2022-01-20</a:t>
             </a:fld>
             <a:endParaRPr lang="ko-KR" altLang="en-US"/>
           </a:p>
@@ -1734,7 +1734,7 @@
           <a:p>
             <a:fld id="{FB30EDBD-1C2D-4C1E-B459-B60219FAB484}" type="datetimeFigureOut">
               <a:rPr lang="ko-KR" altLang="en-US" smtClean="0"/>
-              <a:t>2022-01-18</a:t>
+              <a:t>2022-01-20</a:t>
             </a:fld>
             <a:endParaRPr lang="ko-KR" altLang="en-US"/>
           </a:p>
@@ -1847,7 +1847,7 @@
           <a:p>
             <a:fld id="{FB30EDBD-1C2D-4C1E-B459-B60219FAB484}" type="datetimeFigureOut">
               <a:rPr lang="ko-KR" altLang="en-US" smtClean="0"/>
-              <a:t>2022-01-18</a:t>
+              <a:t>2022-01-20</a:t>
             </a:fld>
             <a:endParaRPr lang="ko-KR" altLang="en-US"/>
           </a:p>
@@ -1937,7 +1937,7 @@
           <a:p>
             <a:fld id="{FB30EDBD-1C2D-4C1E-B459-B60219FAB484}" type="datetimeFigureOut">
               <a:rPr lang="ko-KR" altLang="en-US" smtClean="0"/>
-              <a:t>2022-01-18</a:t>
+              <a:t>2022-01-20</a:t>
             </a:fld>
             <a:endParaRPr lang="ko-KR" altLang="en-US"/>
           </a:p>
@@ -2209,7 +2209,7 @@
           <a:p>
             <a:fld id="{FB30EDBD-1C2D-4C1E-B459-B60219FAB484}" type="datetimeFigureOut">
               <a:rPr lang="ko-KR" altLang="en-US" smtClean="0"/>
-              <a:t>2022-01-18</a:t>
+              <a:t>2022-01-20</a:t>
             </a:fld>
             <a:endParaRPr lang="ko-KR" altLang="en-US"/>
           </a:p>
@@ -2457,7 +2457,7 @@
           <a:p>
             <a:fld id="{FB30EDBD-1C2D-4C1E-B459-B60219FAB484}" type="datetimeFigureOut">
               <a:rPr lang="ko-KR" altLang="en-US" smtClean="0"/>
-              <a:t>2022-01-18</a:t>
+              <a:t>2022-01-20</a:t>
             </a:fld>
             <a:endParaRPr lang="ko-KR" altLang="en-US"/>
           </a:p>
@@ -2665,7 +2665,7 @@
           <a:p>
             <a:fld id="{FB30EDBD-1C2D-4C1E-B459-B60219FAB484}" type="datetimeFigureOut">
               <a:rPr lang="ko-KR" altLang="en-US" smtClean="0"/>
-              <a:t>2022-01-18</a:t>
+              <a:t>2022-01-20</a:t>
             </a:fld>
             <a:endParaRPr lang="ko-KR" altLang="en-US"/>
           </a:p>
@@ -3037,275 +3037,731 @@
       </p:grpSpPr>
       <p:grpSp>
         <p:nvGrpSpPr>
-          <p:cNvPr id="6" name="그룹 5"/>
+          <p:cNvPr id="7" name="그룹 6"/>
           <p:cNvGrpSpPr/>
           <p:nvPr/>
         </p:nvGrpSpPr>
         <p:grpSpPr>
           <a:xfrm>
-            <a:off x="611560" y="174968"/>
-            <a:ext cx="7920880" cy="6563692"/>
-            <a:chOff x="-1138238" y="-2477071"/>
-            <a:chExt cx="11420476" cy="9463659"/>
+            <a:off x="888751" y="620688"/>
+            <a:ext cx="7366498" cy="6104300"/>
+            <a:chOff x="611560" y="174968"/>
+            <a:chExt cx="7920880" cy="6563692"/>
           </a:xfrm>
         </p:grpSpPr>
-        <p:pic>
-          <p:nvPicPr>
-            <p:cNvPr id="1034" name="Picture 10"/>
-            <p:cNvPicPr>
-              <a:picLocks noChangeAspect="1" noChangeArrowheads="1"/>
-            </p:cNvPicPr>
+        <p:grpSp>
+          <p:nvGrpSpPr>
+            <p:cNvPr id="6" name="그룹 5"/>
+            <p:cNvGrpSpPr/>
             <p:nvPr/>
-          </p:nvPicPr>
-          <p:blipFill>
-            <a:blip r:embed="rId2">
+          </p:nvGrpSpPr>
+          <p:grpSpPr>
+            <a:xfrm>
+              <a:off x="611560" y="174968"/>
+              <a:ext cx="7920880" cy="6563692"/>
+              <a:chOff x="-1138238" y="-2477071"/>
+              <a:chExt cx="11420476" cy="9463659"/>
+            </a:xfrm>
+          </p:grpSpPr>
+          <p:pic>
+            <p:nvPicPr>
+              <p:cNvPr id="1034" name="Picture 10"/>
+              <p:cNvPicPr>
+                <a:picLocks noChangeAspect="1" noChangeArrowheads="1"/>
+              </p:cNvPicPr>
+              <p:nvPr/>
+            </p:nvPicPr>
+            <p:blipFill>
+              <a:blip r:embed="rId2">
+                <a:extLst>
+                  <a:ext uri="{28A0092B-C50C-407E-A947-70E740481C1C}">
+                    <a14:useLocalDpi xmlns:a14="http://schemas.microsoft.com/office/drawing/2010/main" val="0"/>
+                  </a:ext>
+                </a:extLst>
+              </a:blip>
+              <a:srcRect/>
+              <a:stretch>
+                <a:fillRect/>
+              </a:stretch>
+            </p:blipFill>
+            <p:spPr bwMode="auto">
+              <a:xfrm>
+                <a:off x="-1138238" y="4614863"/>
+                <a:ext cx="11420476" cy="2371725"/>
+              </a:xfrm>
+              <a:prstGeom prst="rect">
+                <a:avLst/>
+              </a:prstGeom>
+              <a:noFill/>
+              <a:ln>
+                <a:noFill/>
+              </a:ln>
+              <a:effectLst/>
               <a:extLst>
-                <a:ext uri="{28A0092B-C50C-407E-A947-70E740481C1C}">
-                  <a14:useLocalDpi xmlns:a14="http://schemas.microsoft.com/office/drawing/2010/main" val="0"/>
+                <a:ext uri="{909E8E84-426E-40DD-AFC4-6F175D3DCCD1}">
+                  <a14:hiddenFill xmlns:a14="http://schemas.microsoft.com/office/drawing/2010/main">
+                    <a:solidFill>
+                      <a:schemeClr val="accent1"/>
+                    </a:solidFill>
+                  </a14:hiddenFill>
+                </a:ext>
+                <a:ext uri="{91240B29-F687-4F45-9708-019B960494DF}">
+                  <a14:hiddenLine xmlns:a14="http://schemas.microsoft.com/office/drawing/2010/main" w="9525">
+                    <a:solidFill>
+                      <a:schemeClr val="tx1"/>
+                    </a:solidFill>
+                    <a:miter lim="800000"/>
+                    <a:headEnd/>
+                    <a:tailEnd/>
+                  </a14:hiddenLine>
+                </a:ext>
+                <a:ext uri="{AF507438-7753-43E0-B8FC-AC1667EBCBE1}">
+                  <a14:hiddenEffects xmlns:a14="http://schemas.microsoft.com/office/drawing/2010/main">
+                    <a:effectLst>
+                      <a:outerShdw dist="35921" dir="2700000" algn="ctr" rotWithShape="0">
+                        <a:schemeClr val="bg2"/>
+                      </a:outerShdw>
+                    </a:effectLst>
+                  </a14:hiddenEffects>
                 </a:ext>
               </a:extLst>
-            </a:blip>
-            <a:srcRect/>
-            <a:stretch>
-              <a:fillRect/>
-            </a:stretch>
-          </p:blipFill>
-          <p:spPr bwMode="auto">
+            </p:spPr>
+          </p:pic>
+          <p:pic>
+            <p:nvPicPr>
+              <p:cNvPr id="1035" name="Picture 11"/>
+              <p:cNvPicPr>
+                <a:picLocks noChangeAspect="1" noChangeArrowheads="1"/>
+              </p:cNvPicPr>
+              <p:nvPr/>
+            </p:nvPicPr>
+            <p:blipFill>
+              <a:blip r:embed="rId3">
+                <a:extLst>
+                  <a:ext uri="{28A0092B-C50C-407E-A947-70E740481C1C}">
+                    <a14:useLocalDpi xmlns:a14="http://schemas.microsoft.com/office/drawing/2010/main" val="0"/>
+                  </a:ext>
+                </a:extLst>
+              </a:blip>
+              <a:srcRect/>
+              <a:stretch>
+                <a:fillRect/>
+              </a:stretch>
+            </p:blipFill>
+            <p:spPr bwMode="auto">
+              <a:xfrm>
+                <a:off x="-1138238" y="2250885"/>
+                <a:ext cx="11420476" cy="2371725"/>
+              </a:xfrm>
+              <a:prstGeom prst="rect">
+                <a:avLst/>
+              </a:prstGeom>
+              <a:noFill/>
+              <a:ln>
+                <a:noFill/>
+              </a:ln>
+              <a:effectLst/>
+              <a:extLst>
+                <a:ext uri="{909E8E84-426E-40DD-AFC4-6F175D3DCCD1}">
+                  <a14:hiddenFill xmlns:a14="http://schemas.microsoft.com/office/drawing/2010/main">
+                    <a:solidFill>
+                      <a:schemeClr val="accent1"/>
+                    </a:solidFill>
+                  </a14:hiddenFill>
+                </a:ext>
+                <a:ext uri="{91240B29-F687-4F45-9708-019B960494DF}">
+                  <a14:hiddenLine xmlns:a14="http://schemas.microsoft.com/office/drawing/2010/main" w="9525">
+                    <a:solidFill>
+                      <a:schemeClr val="tx1"/>
+                    </a:solidFill>
+                    <a:miter lim="800000"/>
+                    <a:headEnd/>
+                    <a:tailEnd/>
+                  </a14:hiddenLine>
+                </a:ext>
+                <a:ext uri="{AF507438-7753-43E0-B8FC-AC1667EBCBE1}">
+                  <a14:hiddenEffects xmlns:a14="http://schemas.microsoft.com/office/drawing/2010/main">
+                    <a:effectLst>
+                      <a:outerShdw dist="35921" dir="2700000" algn="ctr" rotWithShape="0">
+                        <a:schemeClr val="bg2"/>
+                      </a:outerShdw>
+                    </a:effectLst>
+                  </a14:hiddenEffects>
+                </a:ext>
+              </a:extLst>
+            </p:spPr>
+          </p:pic>
+          <p:pic>
+            <p:nvPicPr>
+              <p:cNvPr id="1036" name="Picture 12"/>
+              <p:cNvPicPr>
+                <a:picLocks noChangeAspect="1" noChangeArrowheads="1"/>
+              </p:cNvPicPr>
+              <p:nvPr/>
+            </p:nvPicPr>
+            <p:blipFill>
+              <a:blip r:embed="rId4">
+                <a:extLst>
+                  <a:ext uri="{28A0092B-C50C-407E-A947-70E740481C1C}">
+                    <a14:useLocalDpi xmlns:a14="http://schemas.microsoft.com/office/drawing/2010/main" val="0"/>
+                  </a:ext>
+                </a:extLst>
+              </a:blip>
+              <a:srcRect/>
+              <a:stretch>
+                <a:fillRect/>
+              </a:stretch>
+            </p:blipFill>
+            <p:spPr bwMode="auto">
+              <a:xfrm>
+                <a:off x="-1138238" y="-113093"/>
+                <a:ext cx="11420476" cy="2371725"/>
+              </a:xfrm>
+              <a:prstGeom prst="rect">
+                <a:avLst/>
+              </a:prstGeom>
+              <a:noFill/>
+              <a:ln>
+                <a:noFill/>
+              </a:ln>
+              <a:effectLst/>
+              <a:extLst>
+                <a:ext uri="{909E8E84-426E-40DD-AFC4-6F175D3DCCD1}">
+                  <a14:hiddenFill xmlns:a14="http://schemas.microsoft.com/office/drawing/2010/main">
+                    <a:solidFill>
+                      <a:schemeClr val="accent1"/>
+                    </a:solidFill>
+                  </a14:hiddenFill>
+                </a:ext>
+                <a:ext uri="{91240B29-F687-4F45-9708-019B960494DF}">
+                  <a14:hiddenLine xmlns:a14="http://schemas.microsoft.com/office/drawing/2010/main" w="9525">
+                    <a:solidFill>
+                      <a:schemeClr val="tx1"/>
+                    </a:solidFill>
+                    <a:miter lim="800000"/>
+                    <a:headEnd/>
+                    <a:tailEnd/>
+                  </a14:hiddenLine>
+                </a:ext>
+                <a:ext uri="{AF507438-7753-43E0-B8FC-AC1667EBCBE1}">
+                  <a14:hiddenEffects xmlns:a14="http://schemas.microsoft.com/office/drawing/2010/main">
+                    <a:effectLst>
+                      <a:outerShdw dist="35921" dir="2700000" algn="ctr" rotWithShape="0">
+                        <a:schemeClr val="bg2"/>
+                      </a:outerShdw>
+                    </a:effectLst>
+                  </a14:hiddenEffects>
+                </a:ext>
+              </a:extLst>
+            </p:spPr>
+          </p:pic>
+          <p:pic>
+            <p:nvPicPr>
+              <p:cNvPr id="1037" name="Picture 13"/>
+              <p:cNvPicPr>
+                <a:picLocks noChangeAspect="1" noChangeArrowheads="1"/>
+              </p:cNvPicPr>
+              <p:nvPr/>
+            </p:nvPicPr>
+            <p:blipFill>
+              <a:blip r:embed="rId5">
+                <a:extLst>
+                  <a:ext uri="{28A0092B-C50C-407E-A947-70E740481C1C}">
+                    <a14:useLocalDpi xmlns:a14="http://schemas.microsoft.com/office/drawing/2010/main" val="0"/>
+                  </a:ext>
+                </a:extLst>
+              </a:blip>
+              <a:srcRect/>
+              <a:stretch>
+                <a:fillRect/>
+              </a:stretch>
+            </p:blipFill>
+            <p:spPr bwMode="auto">
+              <a:xfrm>
+                <a:off x="-1138238" y="-2477071"/>
+                <a:ext cx="11420476" cy="2371725"/>
+              </a:xfrm>
+              <a:prstGeom prst="rect">
+                <a:avLst/>
+              </a:prstGeom>
+              <a:noFill/>
+              <a:ln>
+                <a:noFill/>
+              </a:ln>
+              <a:effectLst/>
+              <a:extLst>
+                <a:ext uri="{909E8E84-426E-40DD-AFC4-6F175D3DCCD1}">
+                  <a14:hiddenFill xmlns:a14="http://schemas.microsoft.com/office/drawing/2010/main">
+                    <a:solidFill>
+                      <a:schemeClr val="accent1"/>
+                    </a:solidFill>
+                  </a14:hiddenFill>
+                </a:ext>
+                <a:ext uri="{91240B29-F687-4F45-9708-019B960494DF}">
+                  <a14:hiddenLine xmlns:a14="http://schemas.microsoft.com/office/drawing/2010/main" w="9525">
+                    <a:solidFill>
+                      <a:schemeClr val="tx1"/>
+                    </a:solidFill>
+                    <a:miter lim="800000"/>
+                    <a:headEnd/>
+                    <a:tailEnd/>
+                  </a14:hiddenLine>
+                </a:ext>
+                <a:ext uri="{AF507438-7753-43E0-B8FC-AC1667EBCBE1}">
+                  <a14:hiddenEffects xmlns:a14="http://schemas.microsoft.com/office/drawing/2010/main">
+                    <a:effectLst>
+                      <a:outerShdw dist="35921" dir="2700000" algn="ctr" rotWithShape="0">
+                        <a:schemeClr val="bg2"/>
+                      </a:outerShdw>
+                    </a:effectLst>
+                  </a14:hiddenEffects>
+                </a:ext>
+              </a:extLst>
+            </p:spPr>
+          </p:pic>
+        </p:grpSp>
+        <mc:AlternateContent xmlns:mc="http://schemas.openxmlformats.org/markup-compatibility/2006">
+          <mc:Choice xmlns:a14="http://schemas.microsoft.com/office/drawing/2010/main" Requires="a14">
+            <p:sp>
+              <p:nvSpPr>
+                <p:cNvPr id="2" name="TextBox 1"/>
+                <p:cNvSpPr txBox="1"/>
+                <p:nvPr/>
+              </p:nvSpPr>
+              <p:spPr>
+                <a:xfrm>
+                  <a:off x="7812359" y="1484784"/>
+                  <a:ext cx="351827" cy="307777"/>
+                </a:xfrm>
+                <a:prstGeom prst="rect">
+                  <a:avLst/>
+                </a:prstGeom>
+                <a:noFill/>
+              </p:spPr>
+              <p:txBody>
+                <a:bodyPr wrap="none" rtlCol="0">
+                  <a:spAutoFit/>
+                </a:bodyPr>
+                <a:lstStyle/>
+                <a:p>
+                  <a14:m>
+                    <m:oMathPara xmlns:m="http://schemas.openxmlformats.org/officeDocument/2006/math">
+                      <m:oMathParaPr>
+                        <m:jc m:val="centerGroup"/>
+                      </m:oMathParaPr>
+                      <m:oMath xmlns:m="http://schemas.openxmlformats.org/officeDocument/2006/math">
+                        <m:r>
+                          <a:rPr lang="en-US" altLang="ko-KR" sz="1400" b="0" i="1" smtClean="0">
+                            <a:latin typeface="Cambria Math"/>
+                          </a:rPr>
+                          <m:t>𝑘</m:t>
+                        </m:r>
+                      </m:oMath>
+                    </m:oMathPara>
+                  </a14:m>
+                  <a:endParaRPr lang="ko-KR" altLang="en-US" sz="1400" dirty="0"/>
+                </a:p>
+              </p:txBody>
+            </p:sp>
+          </mc:Choice>
+          <mc:Fallback>
+            <p:sp>
+              <p:nvSpPr>
+                <p:cNvPr id="2" name="TextBox 1"/>
+                <p:cNvSpPr txBox="1">
+                  <a:spLocks noRot="1" noChangeAspect="1" noMove="1" noResize="1" noEditPoints="1" noAdjustHandles="1" noChangeArrowheads="1" noChangeShapeType="1" noTextEdit="1"/>
+                </p:cNvSpPr>
+                <p:nvPr/>
+              </p:nvSpPr>
+              <p:spPr>
+                <a:xfrm>
+                  <a:off x="7812359" y="1484784"/>
+                  <a:ext cx="351827" cy="307777"/>
+                </a:xfrm>
+                <a:prstGeom prst="rect">
+                  <a:avLst/>
+                </a:prstGeom>
+                <a:blipFill rotWithShape="1">
+                  <a:blip r:embed="rId6"/>
+                  <a:stretch>
+                    <a:fillRect/>
+                  </a:stretch>
+                </a:blipFill>
+              </p:spPr>
+              <p:txBody>
+                <a:bodyPr/>
+                <a:lstStyle/>
+                <a:p>
+                  <a:r>
+                    <a:rPr lang="ko-KR" altLang="en-US">
+                      <a:noFill/>
+                    </a:rPr>
+                    <a:t> </a:t>
+                  </a:r>
+                </a:p>
+              </p:txBody>
+            </p:sp>
+          </mc:Fallback>
+        </mc:AlternateContent>
+        <mc:AlternateContent xmlns:mc="http://schemas.openxmlformats.org/markup-compatibility/2006">
+          <mc:Choice xmlns:a14="http://schemas.microsoft.com/office/drawing/2010/main" Requires="a14">
+            <p:sp>
+              <p:nvSpPr>
+                <p:cNvPr id="8" name="TextBox 7"/>
+                <p:cNvSpPr txBox="1"/>
+                <p:nvPr/>
+              </p:nvSpPr>
+              <p:spPr>
+                <a:xfrm>
+                  <a:off x="7812359" y="3146350"/>
+                  <a:ext cx="351827" cy="307777"/>
+                </a:xfrm>
+                <a:prstGeom prst="rect">
+                  <a:avLst/>
+                </a:prstGeom>
+                <a:noFill/>
+              </p:spPr>
+              <p:txBody>
+                <a:bodyPr wrap="none" rtlCol="0">
+                  <a:spAutoFit/>
+                </a:bodyPr>
+                <a:lstStyle/>
+                <a:p>
+                  <a14:m>
+                    <m:oMathPara xmlns:m="http://schemas.openxmlformats.org/officeDocument/2006/math">
+                      <m:oMathParaPr>
+                        <m:jc m:val="centerGroup"/>
+                      </m:oMathParaPr>
+                      <m:oMath xmlns:m="http://schemas.openxmlformats.org/officeDocument/2006/math">
+                        <m:r>
+                          <a:rPr lang="en-US" altLang="ko-KR" sz="1400" b="0" i="1" smtClean="0">
+                            <a:latin typeface="Cambria Math"/>
+                          </a:rPr>
+                          <m:t>𝑘</m:t>
+                        </m:r>
+                      </m:oMath>
+                    </m:oMathPara>
+                  </a14:m>
+                  <a:endParaRPr lang="ko-KR" altLang="en-US" sz="1400" dirty="0"/>
+                </a:p>
+              </p:txBody>
+            </p:sp>
+          </mc:Choice>
+          <mc:Fallback>
+            <p:sp>
+              <p:nvSpPr>
+                <p:cNvPr id="8" name="TextBox 7"/>
+                <p:cNvSpPr txBox="1">
+                  <a:spLocks noRot="1" noChangeAspect="1" noMove="1" noResize="1" noEditPoints="1" noAdjustHandles="1" noChangeArrowheads="1" noChangeShapeType="1" noTextEdit="1"/>
+                </p:cNvSpPr>
+                <p:nvPr/>
+              </p:nvSpPr>
+              <p:spPr>
+                <a:xfrm>
+                  <a:off x="7812359" y="3146350"/>
+                  <a:ext cx="351827" cy="307777"/>
+                </a:xfrm>
+                <a:prstGeom prst="rect">
+                  <a:avLst/>
+                </a:prstGeom>
+                <a:blipFill rotWithShape="1">
+                  <a:blip r:embed="rId7"/>
+                  <a:stretch>
+                    <a:fillRect/>
+                  </a:stretch>
+                </a:blipFill>
+              </p:spPr>
+              <p:txBody>
+                <a:bodyPr/>
+                <a:lstStyle/>
+                <a:p>
+                  <a:r>
+                    <a:rPr lang="ko-KR" altLang="en-US">
+                      <a:noFill/>
+                    </a:rPr>
+                    <a:t> </a:t>
+                  </a:r>
+                </a:p>
+              </p:txBody>
+            </p:sp>
+          </mc:Fallback>
+        </mc:AlternateContent>
+        <mc:AlternateContent xmlns:mc="http://schemas.openxmlformats.org/markup-compatibility/2006">
+          <mc:Choice xmlns:a14="http://schemas.microsoft.com/office/drawing/2010/main" Requires="a14">
+            <p:sp>
+              <p:nvSpPr>
+                <p:cNvPr id="9" name="TextBox 8"/>
+                <p:cNvSpPr txBox="1"/>
+                <p:nvPr/>
+              </p:nvSpPr>
+              <p:spPr>
+                <a:xfrm>
+                  <a:off x="7812359" y="4785930"/>
+                  <a:ext cx="351827" cy="307777"/>
+                </a:xfrm>
+                <a:prstGeom prst="rect">
+                  <a:avLst/>
+                </a:prstGeom>
+                <a:noFill/>
+              </p:spPr>
+              <p:txBody>
+                <a:bodyPr wrap="none" rtlCol="0">
+                  <a:spAutoFit/>
+                </a:bodyPr>
+                <a:lstStyle/>
+                <a:p>
+                  <a14:m>
+                    <m:oMathPara xmlns:m="http://schemas.openxmlformats.org/officeDocument/2006/math">
+                      <m:oMathParaPr>
+                        <m:jc m:val="centerGroup"/>
+                      </m:oMathParaPr>
+                      <m:oMath xmlns:m="http://schemas.openxmlformats.org/officeDocument/2006/math">
+                        <m:r>
+                          <a:rPr lang="en-US" altLang="ko-KR" sz="1400" b="0" i="1" smtClean="0">
+                            <a:latin typeface="Cambria Math"/>
+                          </a:rPr>
+                          <m:t>𝑘</m:t>
+                        </m:r>
+                      </m:oMath>
+                    </m:oMathPara>
+                  </a14:m>
+                  <a:endParaRPr lang="ko-KR" altLang="en-US" sz="1400" dirty="0"/>
+                </a:p>
+              </p:txBody>
+            </p:sp>
+          </mc:Choice>
+          <mc:Fallback>
+            <p:sp>
+              <p:nvSpPr>
+                <p:cNvPr id="9" name="TextBox 8"/>
+                <p:cNvSpPr txBox="1">
+                  <a:spLocks noRot="1" noChangeAspect="1" noMove="1" noResize="1" noEditPoints="1" noAdjustHandles="1" noChangeArrowheads="1" noChangeShapeType="1" noTextEdit="1"/>
+                </p:cNvSpPr>
+                <p:nvPr/>
+              </p:nvSpPr>
+              <p:spPr>
+                <a:xfrm>
+                  <a:off x="7812359" y="4785930"/>
+                  <a:ext cx="351827" cy="307777"/>
+                </a:xfrm>
+                <a:prstGeom prst="rect">
+                  <a:avLst/>
+                </a:prstGeom>
+                <a:blipFill rotWithShape="1">
+                  <a:blip r:embed="rId7"/>
+                  <a:stretch>
+                    <a:fillRect/>
+                  </a:stretch>
+                </a:blipFill>
+              </p:spPr>
+              <p:txBody>
+                <a:bodyPr/>
+                <a:lstStyle/>
+                <a:p>
+                  <a:r>
+                    <a:rPr lang="ko-KR" altLang="en-US">
+                      <a:noFill/>
+                    </a:rPr>
+                    <a:t> </a:t>
+                  </a:r>
+                </a:p>
+              </p:txBody>
+            </p:sp>
+          </mc:Fallback>
+        </mc:AlternateContent>
+        <mc:AlternateContent xmlns:mc="http://schemas.openxmlformats.org/markup-compatibility/2006">
+          <mc:Choice xmlns:a14="http://schemas.microsoft.com/office/drawing/2010/main" Requires="a14">
+            <p:sp>
+              <p:nvSpPr>
+                <p:cNvPr id="10" name="TextBox 9"/>
+                <p:cNvSpPr txBox="1"/>
+                <p:nvPr/>
+              </p:nvSpPr>
+              <p:spPr>
+                <a:xfrm>
+                  <a:off x="7812359" y="6079578"/>
+                  <a:ext cx="351827" cy="307777"/>
+                </a:xfrm>
+                <a:prstGeom prst="rect">
+                  <a:avLst/>
+                </a:prstGeom>
+                <a:noFill/>
+              </p:spPr>
+              <p:txBody>
+                <a:bodyPr wrap="none" rtlCol="0">
+                  <a:spAutoFit/>
+                </a:bodyPr>
+                <a:lstStyle/>
+                <a:p>
+                  <a14:m>
+                    <m:oMathPara xmlns:m="http://schemas.openxmlformats.org/officeDocument/2006/math">
+                      <m:oMathParaPr>
+                        <m:jc m:val="centerGroup"/>
+                      </m:oMathParaPr>
+                      <m:oMath xmlns:m="http://schemas.openxmlformats.org/officeDocument/2006/math">
+                        <m:r>
+                          <a:rPr lang="en-US" altLang="ko-KR" sz="1400" b="0" i="1" smtClean="0">
+                            <a:latin typeface="Cambria Math"/>
+                          </a:rPr>
+                          <m:t>𝑓</m:t>
+                        </m:r>
+                      </m:oMath>
+                    </m:oMathPara>
+                  </a14:m>
+                  <a:endParaRPr lang="ko-KR" altLang="en-US" sz="1400" dirty="0"/>
+                </a:p>
+              </p:txBody>
+            </p:sp>
+          </mc:Choice>
+          <mc:Fallback>
+            <p:sp>
+              <p:nvSpPr>
+                <p:cNvPr id="10" name="TextBox 9"/>
+                <p:cNvSpPr txBox="1">
+                  <a:spLocks noRot="1" noChangeAspect="1" noMove="1" noResize="1" noEditPoints="1" noAdjustHandles="1" noChangeArrowheads="1" noChangeShapeType="1" noTextEdit="1"/>
+                </p:cNvSpPr>
+                <p:nvPr/>
+              </p:nvSpPr>
+              <p:spPr>
+                <a:xfrm>
+                  <a:off x="7812359" y="6079578"/>
+                  <a:ext cx="351827" cy="307777"/>
+                </a:xfrm>
+                <a:prstGeom prst="rect">
+                  <a:avLst/>
+                </a:prstGeom>
+                <a:blipFill rotWithShape="1">
+                  <a:blip r:embed="rId8"/>
+                  <a:stretch>
+                    <a:fillRect b="-19149"/>
+                  </a:stretch>
+                </a:blipFill>
+              </p:spPr>
+              <p:txBody>
+                <a:bodyPr/>
+                <a:lstStyle/>
+                <a:p>
+                  <a:r>
+                    <a:rPr lang="ko-KR" altLang="en-US">
+                      <a:noFill/>
+                    </a:rPr>
+                    <a:t> </a:t>
+                  </a:r>
+                </a:p>
+              </p:txBody>
+            </p:sp>
+          </mc:Fallback>
+        </mc:AlternateContent>
+        <p:cxnSp>
+          <p:nvCxnSpPr>
+            <p:cNvPr id="4" name="직선 화살표 연결선 3"/>
+            <p:cNvCxnSpPr/>
+            <p:nvPr/>
+          </p:nvCxnSpPr>
+          <p:spPr>
             <a:xfrm>
-              <a:off x="-1138238" y="4614863"/>
-              <a:ext cx="11420476" cy="2371725"/>
+              <a:off x="5142203" y="6233467"/>
+              <a:ext cx="2637916" cy="0"/>
             </a:xfrm>
-            <a:prstGeom prst="rect">
+            <a:prstGeom prst="straightConnector1">
               <a:avLst/>
             </a:prstGeom>
-            <a:noFill/>
-            <a:ln>
-              <a:noFill/>
+            <a:ln w="12700">
+              <a:solidFill>
+                <a:schemeClr val="tx1"/>
+              </a:solidFill>
+              <a:headEnd type="none" w="med" len="med"/>
+              <a:tailEnd type="triangle" w="med" len="med"/>
             </a:ln>
-            <a:effectLst/>
-            <a:extLst>
-              <a:ext uri="{909E8E84-426E-40DD-AFC4-6F175D3DCCD1}">
-                <a14:hiddenFill xmlns:a14="http://schemas.microsoft.com/office/drawing/2010/main">
-                  <a:solidFill>
-                    <a:schemeClr val="accent1"/>
-                  </a:solidFill>
-                </a14:hiddenFill>
-              </a:ext>
-              <a:ext uri="{91240B29-F687-4F45-9708-019B960494DF}">
-                <a14:hiddenLine xmlns:a14="http://schemas.microsoft.com/office/drawing/2010/main" w="9525">
-                  <a:solidFill>
-                    <a:schemeClr val="tx1"/>
-                  </a:solidFill>
-                  <a:miter lim="800000"/>
-                  <a:headEnd/>
-                  <a:tailEnd/>
-                </a14:hiddenLine>
-              </a:ext>
-              <a:ext uri="{AF507438-7753-43E0-B8FC-AC1667EBCBE1}">
-                <a14:hiddenEffects xmlns:a14="http://schemas.microsoft.com/office/drawing/2010/main">
-                  <a:effectLst>
-                    <a:outerShdw dist="35921" dir="2700000" algn="ctr" rotWithShape="0">
-                      <a:schemeClr val="bg2"/>
-                    </a:outerShdw>
-                  </a:effectLst>
-                </a14:hiddenEffects>
-              </a:ext>
-            </a:extLst>
           </p:spPr>
-        </p:pic>
-        <p:pic>
-          <p:nvPicPr>
-            <p:cNvPr id="1035" name="Picture 11"/>
-            <p:cNvPicPr>
-              <a:picLocks noChangeAspect="1" noChangeArrowheads="1"/>
-            </p:cNvPicPr>
-            <p:nvPr/>
-          </p:nvPicPr>
-          <p:blipFill>
-            <a:blip r:embed="rId3">
-              <a:extLst>
-                <a:ext uri="{28A0092B-C50C-407E-A947-70E740481C1C}">
-                  <a14:useLocalDpi xmlns:a14="http://schemas.microsoft.com/office/drawing/2010/main" val="0"/>
-                </a:ext>
-              </a:extLst>
-            </a:blip>
-            <a:srcRect/>
-            <a:stretch>
-              <a:fillRect/>
-            </a:stretch>
-          </p:blipFill>
-          <p:spPr bwMode="auto">
-            <a:xfrm>
-              <a:off x="-1138238" y="2250885"/>
-              <a:ext cx="11420476" cy="2371725"/>
-            </a:xfrm>
-            <a:prstGeom prst="rect">
-              <a:avLst/>
-            </a:prstGeom>
-            <a:noFill/>
-            <a:ln>
-              <a:noFill/>
-            </a:ln>
-            <a:effectLst/>
-            <a:extLst>
-              <a:ext uri="{909E8E84-426E-40DD-AFC4-6F175D3DCCD1}">
-                <a14:hiddenFill xmlns:a14="http://schemas.microsoft.com/office/drawing/2010/main">
-                  <a:solidFill>
-                    <a:schemeClr val="accent1"/>
-                  </a:solidFill>
-                </a14:hiddenFill>
-              </a:ext>
-              <a:ext uri="{91240B29-F687-4F45-9708-019B960494DF}">
-                <a14:hiddenLine xmlns:a14="http://schemas.microsoft.com/office/drawing/2010/main" w="9525">
-                  <a:solidFill>
-                    <a:schemeClr val="tx1"/>
-                  </a:solidFill>
-                  <a:miter lim="800000"/>
-                  <a:headEnd/>
-                  <a:tailEnd/>
-                </a14:hiddenLine>
-              </a:ext>
-              <a:ext uri="{AF507438-7753-43E0-B8FC-AC1667EBCBE1}">
-                <a14:hiddenEffects xmlns:a14="http://schemas.microsoft.com/office/drawing/2010/main">
-                  <a:effectLst>
-                    <a:outerShdw dist="35921" dir="2700000" algn="ctr" rotWithShape="0">
-                      <a:schemeClr val="bg2"/>
-                    </a:outerShdw>
-                  </a:effectLst>
-                </a14:hiddenEffects>
-              </a:ext>
-            </a:extLst>
-          </p:spPr>
-        </p:pic>
-        <p:pic>
-          <p:nvPicPr>
-            <p:cNvPr id="1036" name="Picture 12"/>
-            <p:cNvPicPr>
-              <a:picLocks noChangeAspect="1" noChangeArrowheads="1"/>
-            </p:cNvPicPr>
-            <p:nvPr/>
-          </p:nvPicPr>
-          <p:blipFill>
-            <a:blip r:embed="rId4">
-              <a:extLst>
-                <a:ext uri="{28A0092B-C50C-407E-A947-70E740481C1C}">
-                  <a14:useLocalDpi xmlns:a14="http://schemas.microsoft.com/office/drawing/2010/main" val="0"/>
-                </a:ext>
-              </a:extLst>
-            </a:blip>
-            <a:srcRect/>
-            <a:stretch>
-              <a:fillRect/>
-            </a:stretch>
-          </p:blipFill>
-          <p:spPr bwMode="auto">
-            <a:xfrm>
-              <a:off x="-1138238" y="-113093"/>
-              <a:ext cx="11420476" cy="2371725"/>
-            </a:xfrm>
-            <a:prstGeom prst="rect">
-              <a:avLst/>
-            </a:prstGeom>
-            <a:noFill/>
-            <a:ln>
-              <a:noFill/>
-            </a:ln>
-            <a:effectLst/>
-            <a:extLst>
-              <a:ext uri="{909E8E84-426E-40DD-AFC4-6F175D3DCCD1}">
-                <a14:hiddenFill xmlns:a14="http://schemas.microsoft.com/office/drawing/2010/main">
-                  <a:solidFill>
-                    <a:schemeClr val="accent1"/>
-                  </a:solidFill>
-                </a14:hiddenFill>
-              </a:ext>
-              <a:ext uri="{91240B29-F687-4F45-9708-019B960494DF}">
-                <a14:hiddenLine xmlns:a14="http://schemas.microsoft.com/office/drawing/2010/main" w="9525">
-                  <a:solidFill>
-                    <a:schemeClr val="tx1"/>
-                  </a:solidFill>
-                  <a:miter lim="800000"/>
-                  <a:headEnd/>
-                  <a:tailEnd/>
-                </a14:hiddenLine>
-              </a:ext>
-              <a:ext uri="{AF507438-7753-43E0-B8FC-AC1667EBCBE1}">
-                <a14:hiddenEffects xmlns:a14="http://schemas.microsoft.com/office/drawing/2010/main">
-                  <a:effectLst>
-                    <a:outerShdw dist="35921" dir="2700000" algn="ctr" rotWithShape="0">
-                      <a:schemeClr val="bg2"/>
-                    </a:outerShdw>
-                  </a:effectLst>
-                </a14:hiddenEffects>
-              </a:ext>
-            </a:extLst>
-          </p:spPr>
-        </p:pic>
-        <p:pic>
-          <p:nvPicPr>
-            <p:cNvPr id="1037" name="Picture 13"/>
-            <p:cNvPicPr>
-              <a:picLocks noChangeAspect="1" noChangeArrowheads="1"/>
-            </p:cNvPicPr>
-            <p:nvPr/>
-          </p:nvPicPr>
-          <p:blipFill>
-            <a:blip r:embed="rId5">
-              <a:extLst>
-                <a:ext uri="{28A0092B-C50C-407E-A947-70E740481C1C}">
-                  <a14:useLocalDpi xmlns:a14="http://schemas.microsoft.com/office/drawing/2010/main" val="0"/>
-                </a:ext>
-              </a:extLst>
-            </a:blip>
-            <a:srcRect/>
-            <a:stretch>
-              <a:fillRect/>
-            </a:stretch>
-          </p:blipFill>
-          <p:spPr bwMode="auto">
-            <a:xfrm>
-              <a:off x="-1138238" y="-2477071"/>
-              <a:ext cx="11420476" cy="2371725"/>
-            </a:xfrm>
-            <a:prstGeom prst="rect">
-              <a:avLst/>
-            </a:prstGeom>
-            <a:noFill/>
-            <a:ln>
-              <a:noFill/>
-            </a:ln>
-            <a:effectLst/>
-            <a:extLst>
-              <a:ext uri="{909E8E84-426E-40DD-AFC4-6F175D3DCCD1}">
-                <a14:hiddenFill xmlns:a14="http://schemas.microsoft.com/office/drawing/2010/main">
-                  <a:solidFill>
-                    <a:schemeClr val="accent1"/>
-                  </a:solidFill>
-                </a14:hiddenFill>
-              </a:ext>
-              <a:ext uri="{91240B29-F687-4F45-9708-019B960494DF}">
-                <a14:hiddenLine xmlns:a14="http://schemas.microsoft.com/office/drawing/2010/main" w="9525">
-                  <a:solidFill>
-                    <a:schemeClr val="tx1"/>
-                  </a:solidFill>
-                  <a:miter lim="800000"/>
-                  <a:headEnd/>
-                  <a:tailEnd/>
-                </a14:hiddenLine>
-              </a:ext>
-              <a:ext uri="{AF507438-7753-43E0-B8FC-AC1667EBCBE1}">
-                <a14:hiddenEffects xmlns:a14="http://schemas.microsoft.com/office/drawing/2010/main">
-                  <a:effectLst>
-                    <a:outerShdw dist="35921" dir="2700000" algn="ctr" rotWithShape="0">
-                      <a:schemeClr val="bg2"/>
-                    </a:outerShdw>
-                  </a:effectLst>
-                </a14:hiddenEffects>
-              </a:ext>
-            </a:extLst>
-          </p:spPr>
-        </p:pic>
+          <p:style>
+            <a:lnRef idx="1">
+              <a:schemeClr val="accent1"/>
+            </a:lnRef>
+            <a:fillRef idx="0">
+              <a:schemeClr val="accent1"/>
+            </a:fillRef>
+            <a:effectRef idx="0">
+              <a:schemeClr val="accent1"/>
+            </a:effectRef>
+            <a:fontRef idx="minor">
+              <a:schemeClr val="tx1"/>
+            </a:fontRef>
+          </p:style>
+        </p:cxnSp>
       </p:grpSp>
+      <p:sp>
+        <p:nvSpPr>
+          <p:cNvPr id="11" name="TextBox 10"/>
+          <p:cNvSpPr txBox="1"/>
+          <p:nvPr/>
+        </p:nvSpPr>
+        <p:spPr>
+          <a:xfrm>
+            <a:off x="2531393" y="260648"/>
+            <a:ext cx="1082348" cy="369332"/>
+          </a:xfrm>
+          <a:prstGeom prst="rect">
+            <a:avLst/>
+          </a:prstGeom>
+          <a:noFill/>
+        </p:spPr>
+        <p:txBody>
+          <a:bodyPr wrap="none" rtlCol="0">
+            <a:spAutoFit/>
+          </a:bodyPr>
+          <a:lstStyle/>
+          <a:p>
+            <a:r>
+              <a:rPr lang="ko-KR" altLang="en-US" dirty="0" smtClean="0">
+                <a:latin typeface="나눔스퀘어라운드 Bold" pitchFamily="50" charset="-127"/>
+                <a:ea typeface="나눔스퀘어라운드 Bold" pitchFamily="50" charset="-127"/>
+              </a:rPr>
+              <a:t>시간 신호</a:t>
+            </a:r>
+            <a:endParaRPr lang="ko-KR" altLang="en-US" dirty="0">
+              <a:latin typeface="나눔스퀘어라운드 Bold" pitchFamily="50" charset="-127"/>
+              <a:ea typeface="나눔스퀘어라운드 Bold" pitchFamily="50" charset="-127"/>
+            </a:endParaRPr>
+          </a:p>
+        </p:txBody>
+      </p:sp>
+      <p:sp>
+        <p:nvSpPr>
+          <p:cNvPr id="16" name="TextBox 15"/>
+          <p:cNvSpPr txBox="1"/>
+          <p:nvPr/>
+        </p:nvSpPr>
+        <p:spPr>
+          <a:xfrm>
+            <a:off x="5472775" y="260648"/>
+            <a:ext cx="1712328" cy="369332"/>
+          </a:xfrm>
+          <a:prstGeom prst="rect">
+            <a:avLst/>
+          </a:prstGeom>
+          <a:noFill/>
+        </p:spPr>
+        <p:txBody>
+          <a:bodyPr wrap="none" rtlCol="0">
+            <a:spAutoFit/>
+          </a:bodyPr>
+          <a:lstStyle/>
+          <a:p>
+            <a:r>
+              <a:rPr lang="ko-KR" altLang="en-US" dirty="0" smtClean="0">
+                <a:latin typeface="나눔스퀘어라운드 Bold" pitchFamily="50" charset="-127"/>
+                <a:ea typeface="나눔스퀘어라운드 Bold" pitchFamily="50" charset="-127"/>
+              </a:rPr>
+              <a:t>주파수 스펙트럼</a:t>
+            </a:r>
+            <a:endParaRPr lang="ko-KR" altLang="en-US" dirty="0">
+              <a:latin typeface="나눔스퀘어라운드 Bold" pitchFamily="50" charset="-127"/>
+              <a:ea typeface="나눔스퀘어라운드 Bold" pitchFamily="50" charset="-127"/>
+            </a:endParaRPr>
+          </a:p>
+        </p:txBody>
+      </p:sp>
     </p:spTree>
     <p:extLst>
       <p:ext uri="{BB962C8B-B14F-4D97-AF65-F5344CB8AC3E}">

--- a/pics/2019-07-07-CTFT/pics.pptx
+++ b/pics/2019-07-07-CTFT/pics.pptx
@@ -6,6 +6,7 @@
   </p:sldMasterIdLst>
   <p:sldIdLst>
     <p:sldId id="256" r:id="rId2"/>
+    <p:sldId id="257" r:id="rId3"/>
   </p:sldIdLst>
   <p:sldSz cx="9144000" cy="6858000" type="screen4x3"/>
   <p:notesSz cx="6858000" cy="9144000"/>
@@ -104,6 +105,22 @@
       </a:defRPr>
     </a:lvl9pPr>
   </p:defaultTextStyle>
+  <p:extLst>
+    <p:ext uri="{EFAFB233-063F-42B5-8137-9DF3F51BA10A}">
+      <p15:sldGuideLst xmlns:p15="http://schemas.microsoft.com/office/powerpoint/2012/main">
+        <p15:guide id="1" orient="horz" pos="2160">
+          <p15:clr>
+            <a:srgbClr val="A4A3A4"/>
+          </p15:clr>
+        </p15:guide>
+        <p15:guide id="2" pos="2880">
+          <p15:clr>
+            <a:srgbClr val="A4A3A4"/>
+          </p15:clr>
+        </p15:guide>
+      </p15:sldGuideLst>
+    </p:ext>
+  </p:extLst>
 </p:presentation>
 </file>
 
@@ -145,10 +162,9 @@
           <a:lstStyle/>
           <a:p>
             <a:r>
-              <a:rPr lang="ko-KR" altLang="en-US" smtClean="0"/>
+              <a:rPr lang="ko-KR" altLang="en-US"/>
               <a:t>마스터 제목 스타일 편집</a:t>
             </a:r>
-            <a:endParaRPr lang="ko-KR" altLang="en-US"/>
           </a:p>
         </p:txBody>
       </p:sp>
@@ -264,10 +280,9 @@
           </a:lstStyle>
           <a:p>
             <a:r>
-              <a:rPr lang="ko-KR" altLang="en-US" smtClean="0"/>
+              <a:rPr lang="ko-KR" altLang="en-US"/>
               <a:t>마스터 부제목 스타일 편집</a:t>
             </a:r>
-            <a:endParaRPr lang="ko-KR" altLang="en-US"/>
           </a:p>
         </p:txBody>
       </p:sp>
@@ -288,7 +303,7 @@
           <a:p>
             <a:fld id="{FB30EDBD-1C2D-4C1E-B459-B60219FAB484}" type="datetimeFigureOut">
               <a:rPr lang="ko-KR" altLang="en-US" smtClean="0"/>
-              <a:t>2022-01-20</a:t>
+              <a:t>2023-04-18</a:t>
             </a:fld>
             <a:endParaRPr lang="ko-KR" altLang="en-US"/>
           </a:p>
@@ -377,10 +392,9 @@
           <a:lstStyle/>
           <a:p>
             <a:r>
-              <a:rPr lang="ko-KR" altLang="en-US" smtClean="0"/>
+              <a:rPr lang="ko-KR" altLang="en-US"/>
               <a:t>마스터 제목 스타일 편집</a:t>
             </a:r>
-            <a:endParaRPr lang="ko-KR" altLang="en-US"/>
           </a:p>
         </p:txBody>
       </p:sp>
@@ -401,38 +415,37 @@
           <a:p>
             <a:pPr lvl="0"/>
             <a:r>
-              <a:rPr lang="ko-KR" altLang="en-US" smtClean="0"/>
+              <a:rPr lang="ko-KR" altLang="en-US"/>
               <a:t>마스터 텍스트 스타일을 편집합니다</a:t>
             </a:r>
           </a:p>
           <a:p>
             <a:pPr lvl="1"/>
             <a:r>
-              <a:rPr lang="ko-KR" altLang="en-US" smtClean="0"/>
+              <a:rPr lang="ko-KR" altLang="en-US"/>
               <a:t>둘째 수준</a:t>
             </a:r>
           </a:p>
           <a:p>
             <a:pPr lvl="2"/>
             <a:r>
-              <a:rPr lang="ko-KR" altLang="en-US" smtClean="0"/>
+              <a:rPr lang="ko-KR" altLang="en-US"/>
               <a:t>셋째 수준</a:t>
             </a:r>
           </a:p>
           <a:p>
             <a:pPr lvl="3"/>
             <a:r>
-              <a:rPr lang="ko-KR" altLang="en-US" smtClean="0"/>
+              <a:rPr lang="ko-KR" altLang="en-US"/>
               <a:t>넷째 수준</a:t>
             </a:r>
           </a:p>
           <a:p>
             <a:pPr lvl="4"/>
             <a:r>
-              <a:rPr lang="ko-KR" altLang="en-US" smtClean="0"/>
+              <a:rPr lang="ko-KR" altLang="en-US"/>
               <a:t>다섯째 수준</a:t>
             </a:r>
-            <a:endParaRPr lang="ko-KR" altLang="en-US"/>
           </a:p>
         </p:txBody>
       </p:sp>
@@ -453,7 +466,7 @@
           <a:p>
             <a:fld id="{FB30EDBD-1C2D-4C1E-B459-B60219FAB484}" type="datetimeFigureOut">
               <a:rPr lang="ko-KR" altLang="en-US" smtClean="0"/>
-              <a:t>2022-01-20</a:t>
+              <a:t>2023-04-18</a:t>
             </a:fld>
             <a:endParaRPr lang="ko-KR" altLang="en-US"/>
           </a:p>
@@ -547,10 +560,9 @@
           <a:lstStyle/>
           <a:p>
             <a:r>
-              <a:rPr lang="ko-KR" altLang="en-US" smtClean="0"/>
+              <a:rPr lang="ko-KR" altLang="en-US"/>
               <a:t>마스터 제목 스타일 편집</a:t>
             </a:r>
-            <a:endParaRPr lang="ko-KR" altLang="en-US"/>
           </a:p>
         </p:txBody>
       </p:sp>
@@ -576,38 +588,37 @@
           <a:p>
             <a:pPr lvl="0"/>
             <a:r>
-              <a:rPr lang="ko-KR" altLang="en-US" smtClean="0"/>
+              <a:rPr lang="ko-KR" altLang="en-US"/>
               <a:t>마스터 텍스트 스타일을 편집합니다</a:t>
             </a:r>
           </a:p>
           <a:p>
             <a:pPr lvl="1"/>
             <a:r>
-              <a:rPr lang="ko-KR" altLang="en-US" smtClean="0"/>
+              <a:rPr lang="ko-KR" altLang="en-US"/>
               <a:t>둘째 수준</a:t>
             </a:r>
           </a:p>
           <a:p>
             <a:pPr lvl="2"/>
             <a:r>
-              <a:rPr lang="ko-KR" altLang="en-US" smtClean="0"/>
+              <a:rPr lang="ko-KR" altLang="en-US"/>
               <a:t>셋째 수준</a:t>
             </a:r>
           </a:p>
           <a:p>
             <a:pPr lvl="3"/>
             <a:r>
-              <a:rPr lang="ko-KR" altLang="en-US" smtClean="0"/>
+              <a:rPr lang="ko-KR" altLang="en-US"/>
               <a:t>넷째 수준</a:t>
             </a:r>
           </a:p>
           <a:p>
             <a:pPr lvl="4"/>
             <a:r>
-              <a:rPr lang="ko-KR" altLang="en-US" smtClean="0"/>
+              <a:rPr lang="ko-KR" altLang="en-US"/>
               <a:t>다섯째 수준</a:t>
             </a:r>
-            <a:endParaRPr lang="ko-KR" altLang="en-US"/>
           </a:p>
         </p:txBody>
       </p:sp>
@@ -628,7 +639,7 @@
           <a:p>
             <a:fld id="{FB30EDBD-1C2D-4C1E-B459-B60219FAB484}" type="datetimeFigureOut">
               <a:rPr lang="ko-KR" altLang="en-US" smtClean="0"/>
-              <a:t>2022-01-20</a:t>
+              <a:t>2023-04-18</a:t>
             </a:fld>
             <a:endParaRPr lang="ko-KR" altLang="en-US"/>
           </a:p>
@@ -717,10 +728,9 @@
           <a:lstStyle/>
           <a:p>
             <a:r>
-              <a:rPr lang="ko-KR" altLang="en-US" smtClean="0"/>
+              <a:rPr lang="ko-KR" altLang="en-US"/>
               <a:t>마스터 제목 스타일 편집</a:t>
             </a:r>
-            <a:endParaRPr lang="ko-KR" altLang="en-US"/>
           </a:p>
         </p:txBody>
       </p:sp>
@@ -741,38 +751,37 @@
           <a:p>
             <a:pPr lvl="0"/>
             <a:r>
-              <a:rPr lang="ko-KR" altLang="en-US" smtClean="0"/>
+              <a:rPr lang="ko-KR" altLang="en-US"/>
               <a:t>마스터 텍스트 스타일을 편집합니다</a:t>
             </a:r>
           </a:p>
           <a:p>
             <a:pPr lvl="1"/>
             <a:r>
-              <a:rPr lang="ko-KR" altLang="en-US" smtClean="0"/>
+              <a:rPr lang="ko-KR" altLang="en-US"/>
               <a:t>둘째 수준</a:t>
             </a:r>
           </a:p>
           <a:p>
             <a:pPr lvl="2"/>
             <a:r>
-              <a:rPr lang="ko-KR" altLang="en-US" smtClean="0"/>
+              <a:rPr lang="ko-KR" altLang="en-US"/>
               <a:t>셋째 수준</a:t>
             </a:r>
           </a:p>
           <a:p>
             <a:pPr lvl="3"/>
             <a:r>
-              <a:rPr lang="ko-KR" altLang="en-US" smtClean="0"/>
+              <a:rPr lang="ko-KR" altLang="en-US"/>
               <a:t>넷째 수준</a:t>
             </a:r>
           </a:p>
           <a:p>
             <a:pPr lvl="4"/>
             <a:r>
-              <a:rPr lang="ko-KR" altLang="en-US" smtClean="0"/>
+              <a:rPr lang="ko-KR" altLang="en-US"/>
               <a:t>다섯째 수준</a:t>
             </a:r>
-            <a:endParaRPr lang="ko-KR" altLang="en-US"/>
           </a:p>
         </p:txBody>
       </p:sp>
@@ -793,7 +802,7 @@
           <a:p>
             <a:fld id="{FB30EDBD-1C2D-4C1E-B459-B60219FAB484}" type="datetimeFigureOut">
               <a:rPr lang="ko-KR" altLang="en-US" smtClean="0"/>
-              <a:t>2022-01-20</a:t>
+              <a:t>2023-04-18</a:t>
             </a:fld>
             <a:endParaRPr lang="ko-KR" altLang="en-US"/>
           </a:p>
@@ -891,10 +900,9 @@
           </a:lstStyle>
           <a:p>
             <a:r>
-              <a:rPr lang="ko-KR" altLang="en-US" smtClean="0"/>
+              <a:rPr lang="ko-KR" altLang="en-US"/>
               <a:t>마스터 제목 스타일 편집</a:t>
             </a:r>
-            <a:endParaRPr lang="ko-KR" altLang="en-US"/>
           </a:p>
         </p:txBody>
       </p:sp>
@@ -1011,7 +1019,7 @@
           <a:p>
             <a:pPr lvl="0"/>
             <a:r>
-              <a:rPr lang="ko-KR" altLang="en-US" smtClean="0"/>
+              <a:rPr lang="ko-KR" altLang="en-US"/>
               <a:t>마스터 텍스트 스타일을 편집합니다</a:t>
             </a:r>
           </a:p>
@@ -1034,7 +1042,7 @@
           <a:p>
             <a:fld id="{FB30EDBD-1C2D-4C1E-B459-B60219FAB484}" type="datetimeFigureOut">
               <a:rPr lang="ko-KR" altLang="en-US" smtClean="0"/>
-              <a:t>2022-01-20</a:t>
+              <a:t>2023-04-18</a:t>
             </a:fld>
             <a:endParaRPr lang="ko-KR" altLang="en-US"/>
           </a:p>
@@ -1123,10 +1131,9 @@
           <a:lstStyle/>
           <a:p>
             <a:r>
-              <a:rPr lang="ko-KR" altLang="en-US" smtClean="0"/>
+              <a:rPr lang="ko-KR" altLang="en-US"/>
               <a:t>마스터 제목 스타일 편집</a:t>
             </a:r>
-            <a:endParaRPr lang="ko-KR" altLang="en-US"/>
           </a:p>
         </p:txBody>
       </p:sp>
@@ -1180,38 +1187,37 @@
           <a:p>
             <a:pPr lvl="0"/>
             <a:r>
-              <a:rPr lang="ko-KR" altLang="en-US" smtClean="0"/>
+              <a:rPr lang="ko-KR" altLang="en-US"/>
               <a:t>마스터 텍스트 스타일을 편집합니다</a:t>
             </a:r>
           </a:p>
           <a:p>
             <a:pPr lvl="1"/>
             <a:r>
-              <a:rPr lang="ko-KR" altLang="en-US" smtClean="0"/>
+              <a:rPr lang="ko-KR" altLang="en-US"/>
               <a:t>둘째 수준</a:t>
             </a:r>
           </a:p>
           <a:p>
             <a:pPr lvl="2"/>
             <a:r>
-              <a:rPr lang="ko-KR" altLang="en-US" smtClean="0"/>
+              <a:rPr lang="ko-KR" altLang="en-US"/>
               <a:t>셋째 수준</a:t>
             </a:r>
           </a:p>
           <a:p>
             <a:pPr lvl="3"/>
             <a:r>
-              <a:rPr lang="ko-KR" altLang="en-US" smtClean="0"/>
+              <a:rPr lang="ko-KR" altLang="en-US"/>
               <a:t>넷째 수준</a:t>
             </a:r>
           </a:p>
           <a:p>
             <a:pPr lvl="4"/>
             <a:r>
-              <a:rPr lang="ko-KR" altLang="en-US" smtClean="0"/>
+              <a:rPr lang="ko-KR" altLang="en-US"/>
               <a:t>다섯째 수준</a:t>
             </a:r>
-            <a:endParaRPr lang="ko-KR" altLang="en-US"/>
           </a:p>
         </p:txBody>
       </p:sp>
@@ -1265,38 +1271,37 @@
           <a:p>
             <a:pPr lvl="0"/>
             <a:r>
-              <a:rPr lang="ko-KR" altLang="en-US" smtClean="0"/>
+              <a:rPr lang="ko-KR" altLang="en-US"/>
               <a:t>마스터 텍스트 스타일을 편집합니다</a:t>
             </a:r>
           </a:p>
           <a:p>
             <a:pPr lvl="1"/>
             <a:r>
-              <a:rPr lang="ko-KR" altLang="en-US" smtClean="0"/>
+              <a:rPr lang="ko-KR" altLang="en-US"/>
               <a:t>둘째 수준</a:t>
             </a:r>
           </a:p>
           <a:p>
             <a:pPr lvl="2"/>
             <a:r>
-              <a:rPr lang="ko-KR" altLang="en-US" smtClean="0"/>
+              <a:rPr lang="ko-KR" altLang="en-US"/>
               <a:t>셋째 수준</a:t>
             </a:r>
           </a:p>
           <a:p>
             <a:pPr lvl="3"/>
             <a:r>
-              <a:rPr lang="ko-KR" altLang="en-US" smtClean="0"/>
+              <a:rPr lang="ko-KR" altLang="en-US"/>
               <a:t>넷째 수준</a:t>
             </a:r>
           </a:p>
           <a:p>
             <a:pPr lvl="4"/>
             <a:r>
-              <a:rPr lang="ko-KR" altLang="en-US" smtClean="0"/>
+              <a:rPr lang="ko-KR" altLang="en-US"/>
               <a:t>다섯째 수준</a:t>
             </a:r>
-            <a:endParaRPr lang="ko-KR" altLang="en-US"/>
           </a:p>
         </p:txBody>
       </p:sp>
@@ -1317,7 +1322,7 @@
           <a:p>
             <a:fld id="{FB30EDBD-1C2D-4C1E-B459-B60219FAB484}" type="datetimeFigureOut">
               <a:rPr lang="ko-KR" altLang="en-US" smtClean="0"/>
-              <a:t>2022-01-20</a:t>
+              <a:t>2023-04-18</a:t>
             </a:fld>
             <a:endParaRPr lang="ko-KR" altLang="en-US"/>
           </a:p>
@@ -1410,10 +1415,9 @@
           </a:lstStyle>
           <a:p>
             <a:r>
-              <a:rPr lang="ko-KR" altLang="en-US" smtClean="0"/>
+              <a:rPr lang="ko-KR" altLang="en-US"/>
               <a:t>마스터 제목 스타일 편집</a:t>
             </a:r>
-            <a:endParaRPr lang="ko-KR" altLang="en-US"/>
           </a:p>
         </p:txBody>
       </p:sp>
@@ -1476,7 +1480,7 @@
           <a:p>
             <a:pPr lvl="0"/>
             <a:r>
-              <a:rPr lang="ko-KR" altLang="en-US" smtClean="0"/>
+              <a:rPr lang="ko-KR" altLang="en-US"/>
               <a:t>마스터 텍스트 스타일을 편집합니다</a:t>
             </a:r>
           </a:p>
@@ -1532,38 +1536,37 @@
           <a:p>
             <a:pPr lvl="0"/>
             <a:r>
-              <a:rPr lang="ko-KR" altLang="en-US" smtClean="0"/>
+              <a:rPr lang="ko-KR" altLang="en-US"/>
               <a:t>마스터 텍스트 스타일을 편집합니다</a:t>
             </a:r>
           </a:p>
           <a:p>
             <a:pPr lvl="1"/>
             <a:r>
-              <a:rPr lang="ko-KR" altLang="en-US" smtClean="0"/>
+              <a:rPr lang="ko-KR" altLang="en-US"/>
               <a:t>둘째 수준</a:t>
             </a:r>
           </a:p>
           <a:p>
             <a:pPr lvl="2"/>
             <a:r>
-              <a:rPr lang="ko-KR" altLang="en-US" smtClean="0"/>
+              <a:rPr lang="ko-KR" altLang="en-US"/>
               <a:t>셋째 수준</a:t>
             </a:r>
           </a:p>
           <a:p>
             <a:pPr lvl="3"/>
             <a:r>
-              <a:rPr lang="ko-KR" altLang="en-US" smtClean="0"/>
+              <a:rPr lang="ko-KR" altLang="en-US"/>
               <a:t>넷째 수준</a:t>
             </a:r>
           </a:p>
           <a:p>
             <a:pPr lvl="4"/>
             <a:r>
-              <a:rPr lang="ko-KR" altLang="en-US" smtClean="0"/>
+              <a:rPr lang="ko-KR" altLang="en-US"/>
               <a:t>다섯째 수준</a:t>
             </a:r>
-            <a:endParaRPr lang="ko-KR" altLang="en-US"/>
           </a:p>
         </p:txBody>
       </p:sp>
@@ -1626,7 +1629,7 @@
           <a:p>
             <a:pPr lvl="0"/>
             <a:r>
-              <a:rPr lang="ko-KR" altLang="en-US" smtClean="0"/>
+              <a:rPr lang="ko-KR" altLang="en-US"/>
               <a:t>마스터 텍스트 스타일을 편집합니다</a:t>
             </a:r>
           </a:p>
@@ -1682,38 +1685,37 @@
           <a:p>
             <a:pPr lvl="0"/>
             <a:r>
-              <a:rPr lang="ko-KR" altLang="en-US" smtClean="0"/>
+              <a:rPr lang="ko-KR" altLang="en-US"/>
               <a:t>마스터 텍스트 스타일을 편집합니다</a:t>
             </a:r>
           </a:p>
           <a:p>
             <a:pPr lvl="1"/>
             <a:r>
-              <a:rPr lang="ko-KR" altLang="en-US" smtClean="0"/>
+              <a:rPr lang="ko-KR" altLang="en-US"/>
               <a:t>둘째 수준</a:t>
             </a:r>
           </a:p>
           <a:p>
             <a:pPr lvl="2"/>
             <a:r>
-              <a:rPr lang="ko-KR" altLang="en-US" smtClean="0"/>
+              <a:rPr lang="ko-KR" altLang="en-US"/>
               <a:t>셋째 수준</a:t>
             </a:r>
           </a:p>
           <a:p>
             <a:pPr lvl="3"/>
             <a:r>
-              <a:rPr lang="ko-KR" altLang="en-US" smtClean="0"/>
+              <a:rPr lang="ko-KR" altLang="en-US"/>
               <a:t>넷째 수준</a:t>
             </a:r>
           </a:p>
           <a:p>
             <a:pPr lvl="4"/>
             <a:r>
-              <a:rPr lang="ko-KR" altLang="en-US" smtClean="0"/>
+              <a:rPr lang="ko-KR" altLang="en-US"/>
               <a:t>다섯째 수준</a:t>
             </a:r>
-            <a:endParaRPr lang="ko-KR" altLang="en-US"/>
           </a:p>
         </p:txBody>
       </p:sp>
@@ -1734,7 +1736,7 @@
           <a:p>
             <a:fld id="{FB30EDBD-1C2D-4C1E-B459-B60219FAB484}" type="datetimeFigureOut">
               <a:rPr lang="ko-KR" altLang="en-US" smtClean="0"/>
-              <a:t>2022-01-20</a:t>
+              <a:t>2023-04-18</a:t>
             </a:fld>
             <a:endParaRPr lang="ko-KR" altLang="en-US"/>
           </a:p>
@@ -1823,10 +1825,9 @@
           <a:lstStyle/>
           <a:p>
             <a:r>
-              <a:rPr lang="ko-KR" altLang="en-US" smtClean="0"/>
+              <a:rPr lang="ko-KR" altLang="en-US"/>
               <a:t>마스터 제목 스타일 편집</a:t>
             </a:r>
-            <a:endParaRPr lang="ko-KR" altLang="en-US"/>
           </a:p>
         </p:txBody>
       </p:sp>
@@ -1847,7 +1848,7 @@
           <a:p>
             <a:fld id="{FB30EDBD-1C2D-4C1E-B459-B60219FAB484}" type="datetimeFigureOut">
               <a:rPr lang="ko-KR" altLang="en-US" smtClean="0"/>
-              <a:t>2022-01-20</a:t>
+              <a:t>2023-04-18</a:t>
             </a:fld>
             <a:endParaRPr lang="ko-KR" altLang="en-US"/>
           </a:p>
@@ -1937,7 +1938,7 @@
           <a:p>
             <a:fld id="{FB30EDBD-1C2D-4C1E-B459-B60219FAB484}" type="datetimeFigureOut">
               <a:rPr lang="ko-KR" altLang="en-US" smtClean="0"/>
-              <a:t>2022-01-20</a:t>
+              <a:t>2023-04-18</a:t>
             </a:fld>
             <a:endParaRPr lang="ko-KR" altLang="en-US"/>
           </a:p>
@@ -2035,10 +2036,9 @@
           </a:lstStyle>
           <a:p>
             <a:r>
-              <a:rPr lang="ko-KR" altLang="en-US" smtClean="0"/>
+              <a:rPr lang="ko-KR" altLang="en-US"/>
               <a:t>마스터 제목 스타일 편집</a:t>
             </a:r>
-            <a:endParaRPr lang="ko-KR" altLang="en-US"/>
           </a:p>
         </p:txBody>
       </p:sp>
@@ -2092,38 +2092,37 @@
           <a:p>
             <a:pPr lvl="0"/>
             <a:r>
-              <a:rPr lang="ko-KR" altLang="en-US" smtClean="0"/>
+              <a:rPr lang="ko-KR" altLang="en-US"/>
               <a:t>마스터 텍스트 스타일을 편집합니다</a:t>
             </a:r>
           </a:p>
           <a:p>
             <a:pPr lvl="1"/>
             <a:r>
-              <a:rPr lang="ko-KR" altLang="en-US" smtClean="0"/>
+              <a:rPr lang="ko-KR" altLang="en-US"/>
               <a:t>둘째 수준</a:t>
             </a:r>
           </a:p>
           <a:p>
             <a:pPr lvl="2"/>
             <a:r>
-              <a:rPr lang="ko-KR" altLang="en-US" smtClean="0"/>
+              <a:rPr lang="ko-KR" altLang="en-US"/>
               <a:t>셋째 수준</a:t>
             </a:r>
           </a:p>
           <a:p>
             <a:pPr lvl="3"/>
             <a:r>
-              <a:rPr lang="ko-KR" altLang="en-US" smtClean="0"/>
+              <a:rPr lang="ko-KR" altLang="en-US"/>
               <a:t>넷째 수준</a:t>
             </a:r>
           </a:p>
           <a:p>
             <a:pPr lvl="4"/>
             <a:r>
-              <a:rPr lang="ko-KR" altLang="en-US" smtClean="0"/>
+              <a:rPr lang="ko-KR" altLang="en-US"/>
               <a:t>다섯째 수준</a:t>
             </a:r>
-            <a:endParaRPr lang="ko-KR" altLang="en-US"/>
           </a:p>
         </p:txBody>
       </p:sp>
@@ -2186,7 +2185,7 @@
           <a:p>
             <a:pPr lvl="0"/>
             <a:r>
-              <a:rPr lang="ko-KR" altLang="en-US" smtClean="0"/>
+              <a:rPr lang="ko-KR" altLang="en-US"/>
               <a:t>마스터 텍스트 스타일을 편집합니다</a:t>
             </a:r>
           </a:p>
@@ -2209,7 +2208,7 @@
           <a:p>
             <a:fld id="{FB30EDBD-1C2D-4C1E-B459-B60219FAB484}" type="datetimeFigureOut">
               <a:rPr lang="ko-KR" altLang="en-US" smtClean="0"/>
-              <a:t>2022-01-20</a:t>
+              <a:t>2023-04-18</a:t>
             </a:fld>
             <a:endParaRPr lang="ko-KR" altLang="en-US"/>
           </a:p>
@@ -2307,10 +2306,9 @@
           </a:lstStyle>
           <a:p>
             <a:r>
-              <a:rPr lang="ko-KR" altLang="en-US" smtClean="0"/>
+              <a:rPr lang="ko-KR" altLang="en-US"/>
               <a:t>마스터 제목 스타일 편집</a:t>
             </a:r>
-            <a:endParaRPr lang="ko-KR" altLang="en-US"/>
           </a:p>
         </p:txBody>
       </p:sp>
@@ -2434,7 +2432,7 @@
           <a:p>
             <a:pPr lvl="0"/>
             <a:r>
-              <a:rPr lang="ko-KR" altLang="en-US" smtClean="0"/>
+              <a:rPr lang="ko-KR" altLang="en-US"/>
               <a:t>마스터 텍스트 스타일을 편집합니다</a:t>
             </a:r>
           </a:p>
@@ -2457,7 +2455,7 @@
           <a:p>
             <a:fld id="{FB30EDBD-1C2D-4C1E-B459-B60219FAB484}" type="datetimeFigureOut">
               <a:rPr lang="ko-KR" altLang="en-US" smtClean="0"/>
-              <a:t>2022-01-20</a:t>
+              <a:t>2023-04-18</a:t>
             </a:fld>
             <a:endParaRPr lang="ko-KR" altLang="en-US"/>
           </a:p>
@@ -2561,10 +2559,9 @@
           <a:lstStyle/>
           <a:p>
             <a:r>
-              <a:rPr lang="ko-KR" altLang="en-US" smtClean="0"/>
+              <a:rPr lang="ko-KR" altLang="en-US"/>
               <a:t>마스터 제목 스타일 편집</a:t>
             </a:r>
-            <a:endParaRPr lang="ko-KR" altLang="en-US"/>
           </a:p>
         </p:txBody>
       </p:sp>
@@ -2595,38 +2592,37 @@
           <a:p>
             <a:pPr lvl="0"/>
             <a:r>
-              <a:rPr lang="ko-KR" altLang="en-US" smtClean="0"/>
+              <a:rPr lang="ko-KR" altLang="en-US"/>
               <a:t>마스터 텍스트 스타일을 편집합니다</a:t>
             </a:r>
           </a:p>
           <a:p>
             <a:pPr lvl="1"/>
             <a:r>
-              <a:rPr lang="ko-KR" altLang="en-US" smtClean="0"/>
+              <a:rPr lang="ko-KR" altLang="en-US"/>
               <a:t>둘째 수준</a:t>
             </a:r>
           </a:p>
           <a:p>
             <a:pPr lvl="2"/>
             <a:r>
-              <a:rPr lang="ko-KR" altLang="en-US" smtClean="0"/>
+              <a:rPr lang="ko-KR" altLang="en-US"/>
               <a:t>셋째 수준</a:t>
             </a:r>
           </a:p>
           <a:p>
             <a:pPr lvl="3"/>
             <a:r>
-              <a:rPr lang="ko-KR" altLang="en-US" smtClean="0"/>
+              <a:rPr lang="ko-KR" altLang="en-US"/>
               <a:t>넷째 수준</a:t>
             </a:r>
           </a:p>
           <a:p>
             <a:pPr lvl="4"/>
             <a:r>
-              <a:rPr lang="ko-KR" altLang="en-US" smtClean="0"/>
+              <a:rPr lang="ko-KR" altLang="en-US"/>
               <a:t>다섯째 수준</a:t>
             </a:r>
-            <a:endParaRPr lang="ko-KR" altLang="en-US"/>
           </a:p>
         </p:txBody>
       </p:sp>
@@ -2665,7 +2661,7 @@
           <a:p>
             <a:fld id="{FB30EDBD-1C2D-4C1E-B459-B60219FAB484}" type="datetimeFigureOut">
               <a:rPr lang="ko-KR" altLang="en-US" smtClean="0"/>
-              <a:t>2022-01-20</a:t>
+              <a:t>2023-04-18</a:t>
             </a:fld>
             <a:endParaRPr lang="ko-KR" altLang="en-US"/>
           </a:p>
@@ -3320,8 +3316,8 @@
             </p:spPr>
           </p:pic>
         </p:grpSp>
-        <mc:AlternateContent xmlns:mc="http://schemas.openxmlformats.org/markup-compatibility/2006">
-          <mc:Choice xmlns:a14="http://schemas.microsoft.com/office/drawing/2010/main" Requires="a14">
+        <mc:AlternateContent xmlns:mc="http://schemas.openxmlformats.org/markup-compatibility/2006" xmlns:a14="http://schemas.microsoft.com/office/drawing/2010/main">
+          <mc:Choice Requires="a14">
             <p:sp>
               <p:nvSpPr>
                 <p:cNvPr id="2" name="TextBox 1"/>
@@ -3344,6 +3340,7 @@
                 </a:bodyPr>
                 <a:lstStyle/>
                 <a:p>
+                  <a:pPr/>
                   <a14:m>
                     <m:oMathPara xmlns:m="http://schemas.openxmlformats.org/officeDocument/2006/math">
                       <m:oMathParaPr>
@@ -3364,7 +3361,7 @@
               </p:txBody>
             </p:sp>
           </mc:Choice>
-          <mc:Fallback>
+          <mc:Fallback xmlns="">
             <p:sp>
               <p:nvSpPr>
                 <p:cNvPr id="2" name="TextBox 1"/>
@@ -3403,8 +3400,8 @@
             </p:sp>
           </mc:Fallback>
         </mc:AlternateContent>
-        <mc:AlternateContent xmlns:mc="http://schemas.openxmlformats.org/markup-compatibility/2006">
-          <mc:Choice xmlns:a14="http://schemas.microsoft.com/office/drawing/2010/main" Requires="a14">
+        <mc:AlternateContent xmlns:mc="http://schemas.openxmlformats.org/markup-compatibility/2006" xmlns:a14="http://schemas.microsoft.com/office/drawing/2010/main">
+          <mc:Choice Requires="a14">
             <p:sp>
               <p:nvSpPr>
                 <p:cNvPr id="8" name="TextBox 7"/>
@@ -3427,6 +3424,7 @@
                 </a:bodyPr>
                 <a:lstStyle/>
                 <a:p>
+                  <a:pPr/>
                   <a14:m>
                     <m:oMathPara xmlns:m="http://schemas.openxmlformats.org/officeDocument/2006/math">
                       <m:oMathParaPr>
@@ -3447,7 +3445,7 @@
               </p:txBody>
             </p:sp>
           </mc:Choice>
-          <mc:Fallback>
+          <mc:Fallback xmlns="">
             <p:sp>
               <p:nvSpPr>
                 <p:cNvPr id="8" name="TextBox 7"/>
@@ -3486,8 +3484,8 @@
             </p:sp>
           </mc:Fallback>
         </mc:AlternateContent>
-        <mc:AlternateContent xmlns:mc="http://schemas.openxmlformats.org/markup-compatibility/2006">
-          <mc:Choice xmlns:a14="http://schemas.microsoft.com/office/drawing/2010/main" Requires="a14">
+        <mc:AlternateContent xmlns:mc="http://schemas.openxmlformats.org/markup-compatibility/2006" xmlns:a14="http://schemas.microsoft.com/office/drawing/2010/main">
+          <mc:Choice Requires="a14">
             <p:sp>
               <p:nvSpPr>
                 <p:cNvPr id="9" name="TextBox 8"/>
@@ -3510,6 +3508,7 @@
                 </a:bodyPr>
                 <a:lstStyle/>
                 <a:p>
+                  <a:pPr/>
                   <a14:m>
                     <m:oMathPara xmlns:m="http://schemas.openxmlformats.org/officeDocument/2006/math">
                       <m:oMathParaPr>
@@ -3530,7 +3529,7 @@
               </p:txBody>
             </p:sp>
           </mc:Choice>
-          <mc:Fallback>
+          <mc:Fallback xmlns="">
             <p:sp>
               <p:nvSpPr>
                 <p:cNvPr id="9" name="TextBox 8"/>
@@ -3569,8 +3568,8 @@
             </p:sp>
           </mc:Fallback>
         </mc:AlternateContent>
-        <mc:AlternateContent xmlns:mc="http://schemas.openxmlformats.org/markup-compatibility/2006">
-          <mc:Choice xmlns:a14="http://schemas.microsoft.com/office/drawing/2010/main" Requires="a14">
+        <mc:AlternateContent xmlns:mc="http://schemas.openxmlformats.org/markup-compatibility/2006" xmlns:a14="http://schemas.microsoft.com/office/drawing/2010/main">
+          <mc:Choice Requires="a14">
             <p:sp>
               <p:nvSpPr>
                 <p:cNvPr id="10" name="TextBox 9"/>
@@ -3593,6 +3592,7 @@
                 </a:bodyPr>
                 <a:lstStyle/>
                 <a:p>
+                  <a:pPr/>
                   <a14:m>
                     <m:oMathPara xmlns:m="http://schemas.openxmlformats.org/officeDocument/2006/math">
                       <m:oMathParaPr>
@@ -3613,7 +3613,7 @@
               </p:txBody>
             </p:sp>
           </mc:Choice>
-          <mc:Fallback>
+          <mc:Fallback xmlns="">
             <p:sp>
               <p:nvSpPr>
                 <p:cNvPr id="10" name="TextBox 9"/>
@@ -3713,16 +3713,12 @@
           <a:lstStyle/>
           <a:p>
             <a:r>
-              <a:rPr lang="ko-KR" altLang="en-US" dirty="0" smtClean="0">
+              <a:rPr lang="ko-KR" altLang="en-US" dirty="0">
                 <a:latin typeface="나눔스퀘어라운드 Bold" pitchFamily="50" charset="-127"/>
                 <a:ea typeface="나눔스퀘어라운드 Bold" pitchFamily="50" charset="-127"/>
               </a:rPr>
               <a:t>시간 신호</a:t>
             </a:r>
-            <a:endParaRPr lang="ko-KR" altLang="en-US" dirty="0">
-              <a:latin typeface="나눔스퀘어라운드 Bold" pitchFamily="50" charset="-127"/>
-              <a:ea typeface="나눔스퀘어라운드 Bold" pitchFamily="50" charset="-127"/>
-            </a:endParaRPr>
           </a:p>
         </p:txBody>
       </p:sp>
@@ -3749,12 +3745,733 @@
           <a:lstStyle/>
           <a:p>
             <a:r>
-              <a:rPr lang="ko-KR" altLang="en-US" dirty="0" smtClean="0">
+              <a:rPr lang="ko-KR" altLang="en-US" dirty="0">
                 <a:latin typeface="나눔스퀘어라운드 Bold" pitchFamily="50" charset="-127"/>
                 <a:ea typeface="나눔스퀘어라운드 Bold" pitchFamily="50" charset="-127"/>
               </a:rPr>
               <a:t>주파수 스펙트럼</a:t>
             </a:r>
+          </a:p>
+        </p:txBody>
+      </p:sp>
+    </p:spTree>
+    <p:extLst>
+      <p:ext uri="{BB962C8B-B14F-4D97-AF65-F5344CB8AC3E}">
+        <p14:creationId xmlns:p14="http://schemas.microsoft.com/office/powerpoint/2010/main" val="1282704893"/>
+      </p:ext>
+    </p:extLst>
+  </p:cSld>
+  <p:clrMapOvr>
+    <a:masterClrMapping/>
+  </p:clrMapOvr>
+</p:sld>
+</file>
+
+<file path=ppt/slides/slide2.xml><?xml version="1.0" encoding="utf-8"?>
+<p:sld xmlns:a="http://schemas.openxmlformats.org/drawingml/2006/main" xmlns:r="http://schemas.openxmlformats.org/officeDocument/2006/relationships" xmlns:p="http://schemas.openxmlformats.org/presentationml/2006/main">
+  <p:cSld>
+    <p:spTree>
+      <p:nvGrpSpPr>
+        <p:cNvPr id="1" name=""/>
+        <p:cNvGrpSpPr/>
+        <p:nvPr/>
+      </p:nvGrpSpPr>
+      <p:grpSpPr>
+        <a:xfrm>
+          <a:off x="0" y="0"/>
+          <a:ext cx="0" cy="0"/>
+          <a:chOff x="0" y="0"/>
+          <a:chExt cx="0" cy="0"/>
+        </a:xfrm>
+      </p:grpSpPr>
+      <p:grpSp>
+        <p:nvGrpSpPr>
+          <p:cNvPr id="7" name="그룹 6"/>
+          <p:cNvGrpSpPr/>
+          <p:nvPr/>
+        </p:nvGrpSpPr>
+        <p:grpSpPr>
+          <a:xfrm>
+            <a:off x="888751" y="620688"/>
+            <a:ext cx="7366498" cy="6104300"/>
+            <a:chOff x="611560" y="174968"/>
+            <a:chExt cx="7920880" cy="6563692"/>
+          </a:xfrm>
+        </p:grpSpPr>
+        <p:grpSp>
+          <p:nvGrpSpPr>
+            <p:cNvPr id="6" name="그룹 5"/>
+            <p:cNvGrpSpPr/>
+            <p:nvPr/>
+          </p:nvGrpSpPr>
+          <p:grpSpPr>
+            <a:xfrm>
+              <a:off x="611560" y="174968"/>
+              <a:ext cx="7920880" cy="6563692"/>
+              <a:chOff x="-1138238" y="-2477071"/>
+              <a:chExt cx="11420476" cy="9463659"/>
+            </a:xfrm>
+          </p:grpSpPr>
+          <p:pic>
+            <p:nvPicPr>
+              <p:cNvPr id="1034" name="Picture 10"/>
+              <p:cNvPicPr>
+                <a:picLocks noChangeAspect="1" noChangeArrowheads="1"/>
+              </p:cNvPicPr>
+              <p:nvPr/>
+            </p:nvPicPr>
+            <p:blipFill>
+              <a:blip r:embed="rId2">
+                <a:extLst>
+                  <a:ext uri="{28A0092B-C50C-407E-A947-70E740481C1C}">
+                    <a14:useLocalDpi xmlns:a14="http://schemas.microsoft.com/office/drawing/2010/main" val="0"/>
+                  </a:ext>
+                </a:extLst>
+              </a:blip>
+              <a:srcRect/>
+              <a:stretch>
+                <a:fillRect/>
+              </a:stretch>
+            </p:blipFill>
+            <p:spPr bwMode="auto">
+              <a:xfrm>
+                <a:off x="-1138238" y="4614863"/>
+                <a:ext cx="11420476" cy="2371725"/>
+              </a:xfrm>
+              <a:prstGeom prst="rect">
+                <a:avLst/>
+              </a:prstGeom>
+              <a:noFill/>
+              <a:ln>
+                <a:noFill/>
+              </a:ln>
+              <a:effectLst/>
+              <a:extLst>
+                <a:ext uri="{909E8E84-426E-40DD-AFC4-6F175D3DCCD1}">
+                  <a14:hiddenFill xmlns:a14="http://schemas.microsoft.com/office/drawing/2010/main">
+                    <a:solidFill>
+                      <a:schemeClr val="accent1"/>
+                    </a:solidFill>
+                  </a14:hiddenFill>
+                </a:ext>
+                <a:ext uri="{91240B29-F687-4F45-9708-019B960494DF}">
+                  <a14:hiddenLine xmlns:a14="http://schemas.microsoft.com/office/drawing/2010/main" w="9525">
+                    <a:solidFill>
+                      <a:schemeClr val="tx1"/>
+                    </a:solidFill>
+                    <a:miter lim="800000"/>
+                    <a:headEnd/>
+                    <a:tailEnd/>
+                  </a14:hiddenLine>
+                </a:ext>
+                <a:ext uri="{AF507438-7753-43E0-B8FC-AC1667EBCBE1}">
+                  <a14:hiddenEffects xmlns:a14="http://schemas.microsoft.com/office/drawing/2010/main">
+                    <a:effectLst>
+                      <a:outerShdw dist="35921" dir="2700000" algn="ctr" rotWithShape="0">
+                        <a:schemeClr val="bg2"/>
+                      </a:outerShdw>
+                    </a:effectLst>
+                  </a14:hiddenEffects>
+                </a:ext>
+              </a:extLst>
+            </p:spPr>
+          </p:pic>
+          <p:pic>
+            <p:nvPicPr>
+              <p:cNvPr id="1035" name="Picture 11"/>
+              <p:cNvPicPr>
+                <a:picLocks noChangeAspect="1" noChangeArrowheads="1"/>
+              </p:cNvPicPr>
+              <p:nvPr/>
+            </p:nvPicPr>
+            <p:blipFill>
+              <a:blip r:embed="rId3">
+                <a:extLst>
+                  <a:ext uri="{28A0092B-C50C-407E-A947-70E740481C1C}">
+                    <a14:useLocalDpi xmlns:a14="http://schemas.microsoft.com/office/drawing/2010/main" val="0"/>
+                  </a:ext>
+                </a:extLst>
+              </a:blip>
+              <a:srcRect/>
+              <a:stretch>
+                <a:fillRect/>
+              </a:stretch>
+            </p:blipFill>
+            <p:spPr bwMode="auto">
+              <a:xfrm>
+                <a:off x="-1138238" y="2250885"/>
+                <a:ext cx="11420476" cy="2371725"/>
+              </a:xfrm>
+              <a:prstGeom prst="rect">
+                <a:avLst/>
+              </a:prstGeom>
+              <a:noFill/>
+              <a:ln>
+                <a:noFill/>
+              </a:ln>
+              <a:effectLst/>
+              <a:extLst>
+                <a:ext uri="{909E8E84-426E-40DD-AFC4-6F175D3DCCD1}">
+                  <a14:hiddenFill xmlns:a14="http://schemas.microsoft.com/office/drawing/2010/main">
+                    <a:solidFill>
+                      <a:schemeClr val="accent1"/>
+                    </a:solidFill>
+                  </a14:hiddenFill>
+                </a:ext>
+                <a:ext uri="{91240B29-F687-4F45-9708-019B960494DF}">
+                  <a14:hiddenLine xmlns:a14="http://schemas.microsoft.com/office/drawing/2010/main" w="9525">
+                    <a:solidFill>
+                      <a:schemeClr val="tx1"/>
+                    </a:solidFill>
+                    <a:miter lim="800000"/>
+                    <a:headEnd/>
+                    <a:tailEnd/>
+                  </a14:hiddenLine>
+                </a:ext>
+                <a:ext uri="{AF507438-7753-43E0-B8FC-AC1667EBCBE1}">
+                  <a14:hiddenEffects xmlns:a14="http://schemas.microsoft.com/office/drawing/2010/main">
+                    <a:effectLst>
+                      <a:outerShdw dist="35921" dir="2700000" algn="ctr" rotWithShape="0">
+                        <a:schemeClr val="bg2"/>
+                      </a:outerShdw>
+                    </a:effectLst>
+                  </a14:hiddenEffects>
+                </a:ext>
+              </a:extLst>
+            </p:spPr>
+          </p:pic>
+          <p:pic>
+            <p:nvPicPr>
+              <p:cNvPr id="1036" name="Picture 12"/>
+              <p:cNvPicPr>
+                <a:picLocks noChangeAspect="1" noChangeArrowheads="1"/>
+              </p:cNvPicPr>
+              <p:nvPr/>
+            </p:nvPicPr>
+            <p:blipFill>
+              <a:blip r:embed="rId4">
+                <a:extLst>
+                  <a:ext uri="{28A0092B-C50C-407E-A947-70E740481C1C}">
+                    <a14:useLocalDpi xmlns:a14="http://schemas.microsoft.com/office/drawing/2010/main" val="0"/>
+                  </a:ext>
+                </a:extLst>
+              </a:blip>
+              <a:srcRect/>
+              <a:stretch>
+                <a:fillRect/>
+              </a:stretch>
+            </p:blipFill>
+            <p:spPr bwMode="auto">
+              <a:xfrm>
+                <a:off x="-1138238" y="-113093"/>
+                <a:ext cx="11420476" cy="2371725"/>
+              </a:xfrm>
+              <a:prstGeom prst="rect">
+                <a:avLst/>
+              </a:prstGeom>
+              <a:noFill/>
+              <a:ln>
+                <a:noFill/>
+              </a:ln>
+              <a:effectLst/>
+              <a:extLst>
+                <a:ext uri="{909E8E84-426E-40DD-AFC4-6F175D3DCCD1}">
+                  <a14:hiddenFill xmlns:a14="http://schemas.microsoft.com/office/drawing/2010/main">
+                    <a:solidFill>
+                      <a:schemeClr val="accent1"/>
+                    </a:solidFill>
+                  </a14:hiddenFill>
+                </a:ext>
+                <a:ext uri="{91240B29-F687-4F45-9708-019B960494DF}">
+                  <a14:hiddenLine xmlns:a14="http://schemas.microsoft.com/office/drawing/2010/main" w="9525">
+                    <a:solidFill>
+                      <a:schemeClr val="tx1"/>
+                    </a:solidFill>
+                    <a:miter lim="800000"/>
+                    <a:headEnd/>
+                    <a:tailEnd/>
+                  </a14:hiddenLine>
+                </a:ext>
+                <a:ext uri="{AF507438-7753-43E0-B8FC-AC1667EBCBE1}">
+                  <a14:hiddenEffects xmlns:a14="http://schemas.microsoft.com/office/drawing/2010/main">
+                    <a:effectLst>
+                      <a:outerShdw dist="35921" dir="2700000" algn="ctr" rotWithShape="0">
+                        <a:schemeClr val="bg2"/>
+                      </a:outerShdw>
+                    </a:effectLst>
+                  </a14:hiddenEffects>
+                </a:ext>
+              </a:extLst>
+            </p:spPr>
+          </p:pic>
+          <p:pic>
+            <p:nvPicPr>
+              <p:cNvPr id="1037" name="Picture 13"/>
+              <p:cNvPicPr>
+                <a:picLocks noChangeAspect="1" noChangeArrowheads="1"/>
+              </p:cNvPicPr>
+              <p:nvPr/>
+            </p:nvPicPr>
+            <p:blipFill>
+              <a:blip r:embed="rId5">
+                <a:extLst>
+                  <a:ext uri="{28A0092B-C50C-407E-A947-70E740481C1C}">
+                    <a14:useLocalDpi xmlns:a14="http://schemas.microsoft.com/office/drawing/2010/main" val="0"/>
+                  </a:ext>
+                </a:extLst>
+              </a:blip>
+              <a:srcRect/>
+              <a:stretch>
+                <a:fillRect/>
+              </a:stretch>
+            </p:blipFill>
+            <p:spPr bwMode="auto">
+              <a:xfrm>
+                <a:off x="-1138238" y="-2477071"/>
+                <a:ext cx="11420476" cy="2371725"/>
+              </a:xfrm>
+              <a:prstGeom prst="rect">
+                <a:avLst/>
+              </a:prstGeom>
+              <a:noFill/>
+              <a:ln>
+                <a:noFill/>
+              </a:ln>
+              <a:effectLst/>
+              <a:extLst>
+                <a:ext uri="{909E8E84-426E-40DD-AFC4-6F175D3DCCD1}">
+                  <a14:hiddenFill xmlns:a14="http://schemas.microsoft.com/office/drawing/2010/main">
+                    <a:solidFill>
+                      <a:schemeClr val="accent1"/>
+                    </a:solidFill>
+                  </a14:hiddenFill>
+                </a:ext>
+                <a:ext uri="{91240B29-F687-4F45-9708-019B960494DF}">
+                  <a14:hiddenLine xmlns:a14="http://schemas.microsoft.com/office/drawing/2010/main" w="9525">
+                    <a:solidFill>
+                      <a:schemeClr val="tx1"/>
+                    </a:solidFill>
+                    <a:miter lim="800000"/>
+                    <a:headEnd/>
+                    <a:tailEnd/>
+                  </a14:hiddenLine>
+                </a:ext>
+                <a:ext uri="{AF507438-7753-43E0-B8FC-AC1667EBCBE1}">
+                  <a14:hiddenEffects xmlns:a14="http://schemas.microsoft.com/office/drawing/2010/main">
+                    <a:effectLst>
+                      <a:outerShdw dist="35921" dir="2700000" algn="ctr" rotWithShape="0">
+                        <a:schemeClr val="bg2"/>
+                      </a:outerShdw>
+                    </a:effectLst>
+                  </a14:hiddenEffects>
+                </a:ext>
+              </a:extLst>
+            </p:spPr>
+          </p:pic>
+        </p:grpSp>
+        <mc:AlternateContent xmlns:mc="http://schemas.openxmlformats.org/markup-compatibility/2006" xmlns:a14="http://schemas.microsoft.com/office/drawing/2010/main">
+          <mc:Choice Requires="a14">
+            <p:sp>
+              <p:nvSpPr>
+                <p:cNvPr id="2" name="TextBox 1"/>
+                <p:cNvSpPr txBox="1"/>
+                <p:nvPr/>
+              </p:nvSpPr>
+              <p:spPr>
+                <a:xfrm>
+                  <a:off x="7812359" y="1484784"/>
+                  <a:ext cx="351827" cy="307777"/>
+                </a:xfrm>
+                <a:prstGeom prst="rect">
+                  <a:avLst/>
+                </a:prstGeom>
+                <a:noFill/>
+              </p:spPr>
+              <p:txBody>
+                <a:bodyPr wrap="none" rtlCol="0">
+                  <a:spAutoFit/>
+                </a:bodyPr>
+                <a:lstStyle/>
+                <a:p>
+                  <a:pPr/>
+                  <a14:m>
+                    <m:oMathPara xmlns:m="http://schemas.openxmlformats.org/officeDocument/2006/math">
+                      <m:oMathParaPr>
+                        <m:jc m:val="centerGroup"/>
+                      </m:oMathParaPr>
+                      <m:oMath xmlns:m="http://schemas.openxmlformats.org/officeDocument/2006/math">
+                        <m:r>
+                          <a:rPr lang="en-US" altLang="ko-KR" sz="1400" b="0" i="1" smtClean="0">
+                            <a:latin typeface="Cambria Math"/>
+                          </a:rPr>
+                          <m:t>𝑘</m:t>
+                        </m:r>
+                      </m:oMath>
+                    </m:oMathPara>
+                  </a14:m>
+                  <a:endParaRPr lang="ko-KR" altLang="en-US" sz="1400" dirty="0"/>
+                </a:p>
+              </p:txBody>
+            </p:sp>
+          </mc:Choice>
+          <mc:Fallback xmlns="">
+            <p:sp>
+              <p:nvSpPr>
+                <p:cNvPr id="2" name="TextBox 1"/>
+                <p:cNvSpPr txBox="1">
+                  <a:spLocks noRot="1" noChangeAspect="1" noMove="1" noResize="1" noEditPoints="1" noAdjustHandles="1" noChangeArrowheads="1" noChangeShapeType="1" noTextEdit="1"/>
+                </p:cNvSpPr>
+                <p:nvPr/>
+              </p:nvSpPr>
+              <p:spPr>
+                <a:xfrm>
+                  <a:off x="7812359" y="1484784"/>
+                  <a:ext cx="351827" cy="307777"/>
+                </a:xfrm>
+                <a:prstGeom prst="rect">
+                  <a:avLst/>
+                </a:prstGeom>
+                <a:blipFill rotWithShape="1">
+                  <a:blip r:embed="rId6"/>
+                  <a:stretch>
+                    <a:fillRect/>
+                  </a:stretch>
+                </a:blipFill>
+              </p:spPr>
+              <p:txBody>
+                <a:bodyPr/>
+                <a:lstStyle/>
+                <a:p>
+                  <a:r>
+                    <a:rPr lang="ko-KR" altLang="en-US">
+                      <a:noFill/>
+                    </a:rPr>
+                    <a:t> </a:t>
+                  </a:r>
+                </a:p>
+              </p:txBody>
+            </p:sp>
+          </mc:Fallback>
+        </mc:AlternateContent>
+        <mc:AlternateContent xmlns:mc="http://schemas.openxmlformats.org/markup-compatibility/2006" xmlns:a14="http://schemas.microsoft.com/office/drawing/2010/main">
+          <mc:Choice Requires="a14">
+            <p:sp>
+              <p:nvSpPr>
+                <p:cNvPr id="8" name="TextBox 7"/>
+                <p:cNvSpPr txBox="1"/>
+                <p:nvPr/>
+              </p:nvSpPr>
+              <p:spPr>
+                <a:xfrm>
+                  <a:off x="7812359" y="3146350"/>
+                  <a:ext cx="351827" cy="307777"/>
+                </a:xfrm>
+                <a:prstGeom prst="rect">
+                  <a:avLst/>
+                </a:prstGeom>
+                <a:noFill/>
+              </p:spPr>
+              <p:txBody>
+                <a:bodyPr wrap="none" rtlCol="0">
+                  <a:spAutoFit/>
+                </a:bodyPr>
+                <a:lstStyle/>
+                <a:p>
+                  <a:pPr/>
+                  <a14:m>
+                    <m:oMathPara xmlns:m="http://schemas.openxmlformats.org/officeDocument/2006/math">
+                      <m:oMathParaPr>
+                        <m:jc m:val="centerGroup"/>
+                      </m:oMathParaPr>
+                      <m:oMath xmlns:m="http://schemas.openxmlformats.org/officeDocument/2006/math">
+                        <m:r>
+                          <a:rPr lang="en-US" altLang="ko-KR" sz="1400" b="0" i="1" smtClean="0">
+                            <a:latin typeface="Cambria Math"/>
+                          </a:rPr>
+                          <m:t>𝑘</m:t>
+                        </m:r>
+                      </m:oMath>
+                    </m:oMathPara>
+                  </a14:m>
+                  <a:endParaRPr lang="ko-KR" altLang="en-US" sz="1400" dirty="0"/>
+                </a:p>
+              </p:txBody>
+            </p:sp>
+          </mc:Choice>
+          <mc:Fallback xmlns="">
+            <p:sp>
+              <p:nvSpPr>
+                <p:cNvPr id="8" name="TextBox 7"/>
+                <p:cNvSpPr txBox="1">
+                  <a:spLocks noRot="1" noChangeAspect="1" noMove="1" noResize="1" noEditPoints="1" noAdjustHandles="1" noChangeArrowheads="1" noChangeShapeType="1" noTextEdit="1"/>
+                </p:cNvSpPr>
+                <p:nvPr/>
+              </p:nvSpPr>
+              <p:spPr>
+                <a:xfrm>
+                  <a:off x="7812359" y="3146350"/>
+                  <a:ext cx="351827" cy="307777"/>
+                </a:xfrm>
+                <a:prstGeom prst="rect">
+                  <a:avLst/>
+                </a:prstGeom>
+                <a:blipFill rotWithShape="1">
+                  <a:blip r:embed="rId7"/>
+                  <a:stretch>
+                    <a:fillRect/>
+                  </a:stretch>
+                </a:blipFill>
+              </p:spPr>
+              <p:txBody>
+                <a:bodyPr/>
+                <a:lstStyle/>
+                <a:p>
+                  <a:r>
+                    <a:rPr lang="ko-KR" altLang="en-US">
+                      <a:noFill/>
+                    </a:rPr>
+                    <a:t> </a:t>
+                  </a:r>
+                </a:p>
+              </p:txBody>
+            </p:sp>
+          </mc:Fallback>
+        </mc:AlternateContent>
+        <mc:AlternateContent xmlns:mc="http://schemas.openxmlformats.org/markup-compatibility/2006" xmlns:a14="http://schemas.microsoft.com/office/drawing/2010/main">
+          <mc:Choice Requires="a14">
+            <p:sp>
+              <p:nvSpPr>
+                <p:cNvPr id="9" name="TextBox 8"/>
+                <p:cNvSpPr txBox="1"/>
+                <p:nvPr/>
+              </p:nvSpPr>
+              <p:spPr>
+                <a:xfrm>
+                  <a:off x="7812359" y="4785930"/>
+                  <a:ext cx="351827" cy="307777"/>
+                </a:xfrm>
+                <a:prstGeom prst="rect">
+                  <a:avLst/>
+                </a:prstGeom>
+                <a:noFill/>
+              </p:spPr>
+              <p:txBody>
+                <a:bodyPr wrap="none" rtlCol="0">
+                  <a:spAutoFit/>
+                </a:bodyPr>
+                <a:lstStyle/>
+                <a:p>
+                  <a:pPr/>
+                  <a14:m>
+                    <m:oMathPara xmlns:m="http://schemas.openxmlformats.org/officeDocument/2006/math">
+                      <m:oMathParaPr>
+                        <m:jc m:val="centerGroup"/>
+                      </m:oMathParaPr>
+                      <m:oMath xmlns:m="http://schemas.openxmlformats.org/officeDocument/2006/math">
+                        <m:r>
+                          <a:rPr lang="en-US" altLang="ko-KR" sz="1400" b="0" i="1" smtClean="0">
+                            <a:latin typeface="Cambria Math"/>
+                          </a:rPr>
+                          <m:t>𝑘</m:t>
+                        </m:r>
+                      </m:oMath>
+                    </m:oMathPara>
+                  </a14:m>
+                  <a:endParaRPr lang="ko-KR" altLang="en-US" sz="1400" dirty="0"/>
+                </a:p>
+              </p:txBody>
+            </p:sp>
+          </mc:Choice>
+          <mc:Fallback xmlns="">
+            <p:sp>
+              <p:nvSpPr>
+                <p:cNvPr id="9" name="TextBox 8"/>
+                <p:cNvSpPr txBox="1">
+                  <a:spLocks noRot="1" noChangeAspect="1" noMove="1" noResize="1" noEditPoints="1" noAdjustHandles="1" noChangeArrowheads="1" noChangeShapeType="1" noTextEdit="1"/>
+                </p:cNvSpPr>
+                <p:nvPr/>
+              </p:nvSpPr>
+              <p:spPr>
+                <a:xfrm>
+                  <a:off x="7812359" y="4785930"/>
+                  <a:ext cx="351827" cy="307777"/>
+                </a:xfrm>
+                <a:prstGeom prst="rect">
+                  <a:avLst/>
+                </a:prstGeom>
+                <a:blipFill rotWithShape="1">
+                  <a:blip r:embed="rId7"/>
+                  <a:stretch>
+                    <a:fillRect/>
+                  </a:stretch>
+                </a:blipFill>
+              </p:spPr>
+              <p:txBody>
+                <a:bodyPr/>
+                <a:lstStyle/>
+                <a:p>
+                  <a:r>
+                    <a:rPr lang="ko-KR" altLang="en-US">
+                      <a:noFill/>
+                    </a:rPr>
+                    <a:t> </a:t>
+                  </a:r>
+                </a:p>
+              </p:txBody>
+            </p:sp>
+          </mc:Fallback>
+        </mc:AlternateContent>
+        <mc:AlternateContent xmlns:mc="http://schemas.openxmlformats.org/markup-compatibility/2006" xmlns:a14="http://schemas.microsoft.com/office/drawing/2010/main">
+          <mc:Choice Requires="a14">
+            <p:sp>
+              <p:nvSpPr>
+                <p:cNvPr id="10" name="TextBox 9"/>
+                <p:cNvSpPr txBox="1"/>
+                <p:nvPr/>
+              </p:nvSpPr>
+              <p:spPr>
+                <a:xfrm>
+                  <a:off x="7812359" y="6079578"/>
+                  <a:ext cx="351827" cy="307777"/>
+                </a:xfrm>
+                <a:prstGeom prst="rect">
+                  <a:avLst/>
+                </a:prstGeom>
+                <a:noFill/>
+              </p:spPr>
+              <p:txBody>
+                <a:bodyPr wrap="none" rtlCol="0">
+                  <a:spAutoFit/>
+                </a:bodyPr>
+                <a:lstStyle/>
+                <a:p>
+                  <a:pPr/>
+                  <a14:m>
+                    <m:oMathPara xmlns:m="http://schemas.openxmlformats.org/officeDocument/2006/math">
+                      <m:oMathParaPr>
+                        <m:jc m:val="centerGroup"/>
+                      </m:oMathParaPr>
+                      <m:oMath xmlns:m="http://schemas.openxmlformats.org/officeDocument/2006/math">
+                        <m:r>
+                          <a:rPr lang="en-US" altLang="ko-KR" sz="1400" b="0" i="1" smtClean="0">
+                            <a:latin typeface="Cambria Math"/>
+                          </a:rPr>
+                          <m:t>𝑓</m:t>
+                        </m:r>
+                      </m:oMath>
+                    </m:oMathPara>
+                  </a14:m>
+                  <a:endParaRPr lang="ko-KR" altLang="en-US" sz="1400" dirty="0"/>
+                </a:p>
+              </p:txBody>
+            </p:sp>
+          </mc:Choice>
+          <mc:Fallback xmlns="">
+            <p:sp>
+              <p:nvSpPr>
+                <p:cNvPr id="10" name="TextBox 9"/>
+                <p:cNvSpPr txBox="1">
+                  <a:spLocks noRot="1" noChangeAspect="1" noMove="1" noResize="1" noEditPoints="1" noAdjustHandles="1" noChangeArrowheads="1" noChangeShapeType="1" noTextEdit="1"/>
+                </p:cNvSpPr>
+                <p:nvPr/>
+              </p:nvSpPr>
+              <p:spPr>
+                <a:xfrm>
+                  <a:off x="7812359" y="6079578"/>
+                  <a:ext cx="351827" cy="307777"/>
+                </a:xfrm>
+                <a:prstGeom prst="rect">
+                  <a:avLst/>
+                </a:prstGeom>
+                <a:blipFill rotWithShape="1">
+                  <a:blip r:embed="rId8"/>
+                  <a:stretch>
+                    <a:fillRect b="-19149"/>
+                  </a:stretch>
+                </a:blipFill>
+              </p:spPr>
+              <p:txBody>
+                <a:bodyPr/>
+                <a:lstStyle/>
+                <a:p>
+                  <a:r>
+                    <a:rPr lang="ko-KR" altLang="en-US">
+                      <a:noFill/>
+                    </a:rPr>
+                    <a:t> </a:t>
+                  </a:r>
+                </a:p>
+              </p:txBody>
+            </p:sp>
+          </mc:Fallback>
+        </mc:AlternateContent>
+        <p:cxnSp>
+          <p:nvCxnSpPr>
+            <p:cNvPr id="4" name="직선 화살표 연결선 3"/>
+            <p:cNvCxnSpPr/>
+            <p:nvPr/>
+          </p:nvCxnSpPr>
+          <p:spPr>
+            <a:xfrm>
+              <a:off x="5142203" y="6233467"/>
+              <a:ext cx="2637916" cy="0"/>
+            </a:xfrm>
+            <a:prstGeom prst="straightConnector1">
+              <a:avLst/>
+            </a:prstGeom>
+            <a:ln w="12700">
+              <a:solidFill>
+                <a:schemeClr val="tx1"/>
+              </a:solidFill>
+              <a:headEnd type="none" w="med" len="med"/>
+              <a:tailEnd type="triangle" w="med" len="med"/>
+            </a:ln>
+          </p:spPr>
+          <p:style>
+            <a:lnRef idx="1">
+              <a:schemeClr val="accent1"/>
+            </a:lnRef>
+            <a:fillRef idx="0">
+              <a:schemeClr val="accent1"/>
+            </a:fillRef>
+            <a:effectRef idx="0">
+              <a:schemeClr val="accent1"/>
+            </a:effectRef>
+            <a:fontRef idx="minor">
+              <a:schemeClr val="tx1"/>
+            </a:fontRef>
+          </p:style>
+        </p:cxnSp>
+      </p:grpSp>
+      <p:sp>
+        <p:nvSpPr>
+          <p:cNvPr id="11" name="TextBox 10"/>
+          <p:cNvSpPr txBox="1"/>
+          <p:nvPr/>
+        </p:nvSpPr>
+        <p:spPr>
+          <a:xfrm>
+            <a:off x="2376964" y="260648"/>
+            <a:ext cx="1402948" cy="369332"/>
+          </a:xfrm>
+          <a:prstGeom prst="rect">
+            <a:avLst/>
+          </a:prstGeom>
+          <a:noFill/>
+        </p:spPr>
+        <p:txBody>
+          <a:bodyPr wrap="none" rtlCol="0">
+            <a:spAutoFit/>
+          </a:bodyPr>
+          <a:lstStyle/>
+          <a:p>
+            <a:r>
+              <a:rPr lang="en-US" altLang="ko-KR" dirty="0">
+                <a:latin typeface="나눔스퀘어라운드 Bold" pitchFamily="50" charset="-127"/>
+                <a:ea typeface="나눔스퀘어라운드 Bold" pitchFamily="50" charset="-127"/>
+              </a:rPr>
+              <a:t>Time Signal</a:t>
+            </a:r>
             <a:endParaRPr lang="ko-KR" altLang="en-US" dirty="0">
               <a:latin typeface="나눔스퀘어라운드 Bold" pitchFamily="50" charset="-127"/>
               <a:ea typeface="나눔스퀘어라운드 Bold" pitchFamily="50" charset="-127"/>
@@ -3762,10 +4479,46 @@
           </a:p>
         </p:txBody>
       </p:sp>
+      <p:sp>
+        <p:nvSpPr>
+          <p:cNvPr id="16" name="TextBox 15"/>
+          <p:cNvSpPr txBox="1"/>
+          <p:nvPr/>
+        </p:nvSpPr>
+        <p:spPr>
+          <a:xfrm>
+            <a:off x="5148064" y="260648"/>
+            <a:ext cx="2329420" cy="369332"/>
+          </a:xfrm>
+          <a:prstGeom prst="rect">
+            <a:avLst/>
+          </a:prstGeom>
+          <a:noFill/>
+        </p:spPr>
+        <p:txBody>
+          <a:bodyPr wrap="none" rtlCol="0">
+            <a:spAutoFit/>
+          </a:bodyPr>
+          <a:lstStyle/>
+          <a:p>
+            <a:r>
+              <a:rPr lang="en-US" altLang="ko-KR">
+                <a:latin typeface="나눔스퀘어라운드 Bold" pitchFamily="50" charset="-127"/>
+                <a:ea typeface="나눔스퀘어라운드 Bold" pitchFamily="50" charset="-127"/>
+              </a:rPr>
+              <a:t>Frequency Spectrum</a:t>
+            </a:r>
+            <a:endParaRPr lang="ko-KR" altLang="en-US" dirty="0">
+              <a:latin typeface="나눔스퀘어라운드 Bold" pitchFamily="50" charset="-127"/>
+              <a:ea typeface="나눔스퀘어라운드 Bold" pitchFamily="50" charset="-127"/>
+            </a:endParaRPr>
+          </a:p>
+        </p:txBody>
+      </p:sp>
     </p:spTree>
     <p:extLst>
       <p:ext uri="{BB962C8B-B14F-4D97-AF65-F5344CB8AC3E}">
-        <p14:creationId xmlns:p14="http://schemas.microsoft.com/office/powerpoint/2010/main" val="1282704893"/>
+        <p14:creationId xmlns:p14="http://schemas.microsoft.com/office/powerpoint/2010/main" val="3701109253"/>
       </p:ext>
     </p:extLst>
   </p:cSld>
